--- a/Assets/Image/ImageWorltable.pptx
+++ b/Assets/Image/ImageWorltable.pptx
@@ -6,6 +6,8 @@
   </p:sldMasterIdLst>
   <p:sldIdLst>
     <p:sldId id="256" r:id="rId2"/>
+    <p:sldId id="257" r:id="rId3"/>
+    <p:sldId id="258" r:id="rId4"/>
   </p:sldIdLst>
   <p:sldSz cx="12192000" cy="6858000"/>
   <p:notesSz cx="6858000" cy="9144000"/>
@@ -104,6 +106,11 @@
       </a:defRPr>
     </a:lvl9pPr>
   </p:defaultTextStyle>
+  <p:extLst>
+    <p:ext uri="{EFAFB233-063F-42B5-8137-9DF3F51BA10A}">
+      <p15:sldGuideLst xmlns:p15="http://schemas.microsoft.com/office/powerpoint/2012/main"/>
+    </p:ext>
+  </p:extLst>
 </p:presentation>
 </file>
 
@@ -254,7 +261,7 @@
           <a:p>
             <a:fld id="{FFEE3456-DD89-477C-B12D-41A07A448EC1}" type="datetimeFigureOut">
               <a:rPr lang="ko-KR" altLang="en-US" smtClean="0"/>
-              <a:t>2023-11-07</a:t>
+              <a:t>2023-11-08</a:t>
             </a:fld>
             <a:endParaRPr lang="ko-KR" altLang="en-US"/>
           </a:p>
@@ -452,7 +459,7 @@
           <a:p>
             <a:fld id="{FFEE3456-DD89-477C-B12D-41A07A448EC1}" type="datetimeFigureOut">
               <a:rPr lang="ko-KR" altLang="en-US" smtClean="0"/>
-              <a:t>2023-11-07</a:t>
+              <a:t>2023-11-08</a:t>
             </a:fld>
             <a:endParaRPr lang="ko-KR" altLang="en-US"/>
           </a:p>
@@ -660,7 +667,7 @@
           <a:p>
             <a:fld id="{FFEE3456-DD89-477C-B12D-41A07A448EC1}" type="datetimeFigureOut">
               <a:rPr lang="ko-KR" altLang="en-US" smtClean="0"/>
-              <a:t>2023-11-07</a:t>
+              <a:t>2023-11-08</a:t>
             </a:fld>
             <a:endParaRPr lang="ko-KR" altLang="en-US"/>
           </a:p>
@@ -858,7 +865,7 @@
           <a:p>
             <a:fld id="{FFEE3456-DD89-477C-B12D-41A07A448EC1}" type="datetimeFigureOut">
               <a:rPr lang="ko-KR" altLang="en-US" smtClean="0"/>
-              <a:t>2023-11-07</a:t>
+              <a:t>2023-11-08</a:t>
             </a:fld>
             <a:endParaRPr lang="ko-KR" altLang="en-US"/>
           </a:p>
@@ -1133,7 +1140,7 @@
           <a:p>
             <a:fld id="{FFEE3456-DD89-477C-B12D-41A07A448EC1}" type="datetimeFigureOut">
               <a:rPr lang="ko-KR" altLang="en-US" smtClean="0"/>
-              <a:t>2023-11-07</a:t>
+              <a:t>2023-11-08</a:t>
             </a:fld>
             <a:endParaRPr lang="ko-KR" altLang="en-US"/>
           </a:p>
@@ -1398,7 +1405,7 @@
           <a:p>
             <a:fld id="{FFEE3456-DD89-477C-B12D-41A07A448EC1}" type="datetimeFigureOut">
               <a:rPr lang="ko-KR" altLang="en-US" smtClean="0"/>
-              <a:t>2023-11-07</a:t>
+              <a:t>2023-11-08</a:t>
             </a:fld>
             <a:endParaRPr lang="ko-KR" altLang="en-US"/>
           </a:p>
@@ -1810,7 +1817,7 @@
           <a:p>
             <a:fld id="{FFEE3456-DD89-477C-B12D-41A07A448EC1}" type="datetimeFigureOut">
               <a:rPr lang="ko-KR" altLang="en-US" smtClean="0"/>
-              <a:t>2023-11-07</a:t>
+              <a:t>2023-11-08</a:t>
             </a:fld>
             <a:endParaRPr lang="ko-KR" altLang="en-US"/>
           </a:p>
@@ -1951,7 +1958,7 @@
           <a:p>
             <a:fld id="{FFEE3456-DD89-477C-B12D-41A07A448EC1}" type="datetimeFigureOut">
               <a:rPr lang="ko-KR" altLang="en-US" smtClean="0"/>
-              <a:t>2023-11-07</a:t>
+              <a:t>2023-11-08</a:t>
             </a:fld>
             <a:endParaRPr lang="ko-KR" altLang="en-US"/>
           </a:p>
@@ -2064,7 +2071,7 @@
           <a:p>
             <a:fld id="{FFEE3456-DD89-477C-B12D-41A07A448EC1}" type="datetimeFigureOut">
               <a:rPr lang="ko-KR" altLang="en-US" smtClean="0"/>
-              <a:t>2023-11-07</a:t>
+              <a:t>2023-11-08</a:t>
             </a:fld>
             <a:endParaRPr lang="ko-KR" altLang="en-US"/>
           </a:p>
@@ -2375,7 +2382,7 @@
           <a:p>
             <a:fld id="{FFEE3456-DD89-477C-B12D-41A07A448EC1}" type="datetimeFigureOut">
               <a:rPr lang="ko-KR" altLang="en-US" smtClean="0"/>
-              <a:t>2023-11-07</a:t>
+              <a:t>2023-11-08</a:t>
             </a:fld>
             <a:endParaRPr lang="ko-KR" altLang="en-US"/>
           </a:p>
@@ -2663,7 +2670,7 @@
           <a:p>
             <a:fld id="{FFEE3456-DD89-477C-B12D-41A07A448EC1}" type="datetimeFigureOut">
               <a:rPr lang="ko-KR" altLang="en-US" smtClean="0"/>
-              <a:t>2023-11-07</a:t>
+              <a:t>2023-11-08</a:t>
             </a:fld>
             <a:endParaRPr lang="ko-KR" altLang="en-US"/>
           </a:p>
@@ -2904,7 +2911,7 @@
           <a:p>
             <a:fld id="{FFEE3456-DD89-477C-B12D-41A07A448EC1}" type="datetimeFigureOut">
               <a:rPr lang="ko-KR" altLang="en-US" smtClean="0"/>
-              <a:t>2023-11-07</a:t>
+              <a:t>2023-11-08</a:t>
             </a:fld>
             <a:endParaRPr lang="ko-KR" altLang="en-US"/>
           </a:p>
@@ -3428,6 +3435,136 @@
 </p:sld>
 </file>
 
+<file path=ppt/slides/slide2.xml><?xml version="1.0" encoding="utf-8"?>
+<p:sld xmlns:a="http://schemas.openxmlformats.org/drawingml/2006/main" xmlns:r="http://schemas.openxmlformats.org/officeDocument/2006/relationships" xmlns:p="http://schemas.openxmlformats.org/presentationml/2006/main">
+  <p:cSld>
+    <p:spTree>
+      <p:nvGrpSpPr>
+        <p:cNvPr id="1" name=""/>
+        <p:cNvGrpSpPr/>
+        <p:nvPr/>
+      </p:nvGrpSpPr>
+      <p:grpSpPr>
+        <a:xfrm>
+          <a:off x="0" y="0"/>
+          <a:ext cx="0" cy="0"/>
+          <a:chOff x="0" y="0"/>
+          <a:chExt cx="0" cy="0"/>
+        </a:xfrm>
+      </p:grpSpPr>
+      <p:pic>
+        <p:nvPicPr>
+          <p:cNvPr id="13" name="그림 12" descr="스케치, 그림, 예술, 디자인이(가) 표시된 사진&#10;&#10;자동 생성된 설명">
+            <a:extLst>
+              <a:ext uri="{FF2B5EF4-FFF2-40B4-BE49-F238E27FC236}">
+                <a16:creationId xmlns:a16="http://schemas.microsoft.com/office/drawing/2014/main" id="{25E178F7-AEA9-A526-FE64-FC4074E1D402}"/>
+              </a:ext>
+            </a:extLst>
+          </p:cNvPr>
+          <p:cNvPicPr>
+            <a:picLocks noChangeAspect="1"/>
+          </p:cNvPicPr>
+          <p:nvPr/>
+        </p:nvPicPr>
+        <p:blipFill rotWithShape="1">
+          <a:blip r:embed="rId2">
+            <a:extLst>
+              <a:ext uri="{28A0092B-C50C-407E-A947-70E740481C1C}">
+                <a14:useLocalDpi xmlns:a14="http://schemas.microsoft.com/office/drawing/2010/main" val="0"/>
+              </a:ext>
+            </a:extLst>
+          </a:blip>
+          <a:srcRect l="10505" r="9941"/>
+          <a:stretch/>
+        </p:blipFill>
+        <p:spPr>
+          <a:xfrm>
+            <a:off x="3098800" y="66469"/>
+            <a:ext cx="5372099" cy="6725062"/>
+          </a:xfrm>
+          <a:prstGeom prst="rect">
+            <a:avLst/>
+          </a:prstGeom>
+        </p:spPr>
+      </p:pic>
+    </p:spTree>
+    <p:extLst>
+      <p:ext uri="{BB962C8B-B14F-4D97-AF65-F5344CB8AC3E}">
+        <p14:creationId xmlns:p14="http://schemas.microsoft.com/office/powerpoint/2010/main" val="1662651483"/>
+      </p:ext>
+    </p:extLst>
+  </p:cSld>
+  <p:clrMapOvr>
+    <a:masterClrMapping/>
+  </p:clrMapOvr>
+</p:sld>
+</file>
+
+<file path=ppt/slides/slide3.xml><?xml version="1.0" encoding="utf-8"?>
+<p:sld xmlns:a="http://schemas.openxmlformats.org/drawingml/2006/main" xmlns:r="http://schemas.openxmlformats.org/officeDocument/2006/relationships" xmlns:p="http://schemas.openxmlformats.org/presentationml/2006/main">
+  <p:cSld>
+    <p:spTree>
+      <p:nvGrpSpPr>
+        <p:cNvPr id="1" name=""/>
+        <p:cNvGrpSpPr/>
+        <p:nvPr/>
+      </p:nvGrpSpPr>
+      <p:grpSpPr>
+        <a:xfrm>
+          <a:off x="0" y="0"/>
+          <a:ext cx="0" cy="0"/>
+          <a:chOff x="0" y="0"/>
+          <a:chExt cx="0" cy="0"/>
+        </a:xfrm>
+      </p:grpSpPr>
+      <p:pic>
+        <p:nvPicPr>
+          <p:cNvPr id="8" name="그림 7" descr="스케치, 그림, 일러스트레이션, 라인 아트이(가) 표시된 사진&#10;&#10;자동 생성된 설명">
+            <a:extLst>
+              <a:ext uri="{FF2B5EF4-FFF2-40B4-BE49-F238E27FC236}">
+                <a16:creationId xmlns:a16="http://schemas.microsoft.com/office/drawing/2014/main" id="{B6973175-0CF7-7316-310A-F2A01947EACF}"/>
+              </a:ext>
+            </a:extLst>
+          </p:cNvPr>
+          <p:cNvPicPr>
+            <a:picLocks noChangeAspect="1"/>
+          </p:cNvPicPr>
+          <p:nvPr/>
+        </p:nvPicPr>
+        <p:blipFill rotWithShape="1">
+          <a:blip r:embed="rId2">
+            <a:extLst>
+              <a:ext uri="{28A0092B-C50C-407E-A947-70E740481C1C}">
+                <a14:useLocalDpi xmlns:a14="http://schemas.microsoft.com/office/drawing/2010/main" val="0"/>
+              </a:ext>
+            </a:extLst>
+          </a:blip>
+          <a:srcRect l="9569"/>
+          <a:stretch/>
+        </p:blipFill>
+        <p:spPr>
+          <a:xfrm>
+            <a:off x="2908299" y="133350"/>
+            <a:ext cx="7321549" cy="6724650"/>
+          </a:xfrm>
+          <a:prstGeom prst="rect">
+            <a:avLst/>
+          </a:prstGeom>
+        </p:spPr>
+      </p:pic>
+    </p:spTree>
+    <p:extLst>
+      <p:ext uri="{BB962C8B-B14F-4D97-AF65-F5344CB8AC3E}">
+        <p14:creationId xmlns:p14="http://schemas.microsoft.com/office/powerpoint/2010/main" val="2186066024"/>
+      </p:ext>
+    </p:extLst>
+  </p:cSld>
+  <p:clrMapOvr>
+    <a:masterClrMapping/>
+  </p:clrMapOvr>
+</p:sld>
+</file>
+
 <file path=ppt/theme/theme1.xml><?xml version="1.0" encoding="utf-8"?>
 <a:theme xmlns:a="http://schemas.openxmlformats.org/drawingml/2006/main" name="Office 테마">
   <a:themeElements>

--- a/Assets/Image/ImageWorltable.pptx
+++ b/Assets/Image/ImageWorltable.pptx
@@ -4,10 +4,14 @@
   <p:sldMasterIdLst>
     <p:sldMasterId id="2147483648" r:id="rId1"/>
   </p:sldMasterIdLst>
+  <p:notesMasterIdLst>
+    <p:notesMasterId r:id="rId6"/>
+  </p:notesMasterIdLst>
   <p:sldIdLst>
     <p:sldId id="256" r:id="rId2"/>
     <p:sldId id="257" r:id="rId3"/>
     <p:sldId id="258" r:id="rId4"/>
+    <p:sldId id="259" r:id="rId5"/>
   </p:sldIdLst>
   <p:sldSz cx="12192000" cy="6858000"/>
   <p:notesSz cx="6858000" cy="9144000"/>
@@ -114,6 +118,617 @@
 </p:presentation>
 </file>
 
+<file path=ppt/notesMasters/notesMaster1.xml><?xml version="1.0" encoding="utf-8"?>
+<p:notesMaster xmlns:a="http://schemas.openxmlformats.org/drawingml/2006/main" xmlns:r="http://schemas.openxmlformats.org/officeDocument/2006/relationships" xmlns:p="http://schemas.openxmlformats.org/presentationml/2006/main">
+  <p:cSld>
+    <p:bg>
+      <p:bgRef idx="1001">
+        <a:schemeClr val="bg1"/>
+      </p:bgRef>
+    </p:bg>
+    <p:spTree>
+      <p:nvGrpSpPr>
+        <p:cNvPr id="1" name=""/>
+        <p:cNvGrpSpPr/>
+        <p:nvPr/>
+      </p:nvGrpSpPr>
+      <p:grpSpPr>
+        <a:xfrm>
+          <a:off x="0" y="0"/>
+          <a:ext cx="0" cy="0"/>
+          <a:chOff x="0" y="0"/>
+          <a:chExt cx="0" cy="0"/>
+        </a:xfrm>
+      </p:grpSpPr>
+      <p:sp>
+        <p:nvSpPr>
+          <p:cNvPr id="2" name="머리글 개체 틀 1"/>
+          <p:cNvSpPr>
+            <a:spLocks noGrp="1"/>
+          </p:cNvSpPr>
+          <p:nvPr>
+            <p:ph type="hdr" sz="quarter"/>
+          </p:nvPr>
+        </p:nvSpPr>
+        <p:spPr>
+          <a:xfrm>
+            <a:off x="0" y="0"/>
+            <a:ext cx="2971800" cy="458788"/>
+          </a:xfrm>
+          <a:prstGeom prst="rect">
+            <a:avLst/>
+          </a:prstGeom>
+        </p:spPr>
+        <p:txBody>
+          <a:bodyPr vert="horz" lIns="91440" tIns="45720" rIns="91440" bIns="45720" rtlCol="0"/>
+          <a:lstStyle>
+            <a:lvl1pPr algn="l">
+              <a:defRPr sz="1200"/>
+            </a:lvl1pPr>
+          </a:lstStyle>
+          <a:p>
+            <a:endParaRPr lang="ko-KR" altLang="en-US"/>
+          </a:p>
+        </p:txBody>
+      </p:sp>
+      <p:sp>
+        <p:nvSpPr>
+          <p:cNvPr id="3" name="날짜 개체 틀 2"/>
+          <p:cNvSpPr>
+            <a:spLocks noGrp="1"/>
+          </p:cNvSpPr>
+          <p:nvPr>
+            <p:ph type="dt" idx="1"/>
+          </p:nvPr>
+        </p:nvSpPr>
+        <p:spPr>
+          <a:xfrm>
+            <a:off x="3884613" y="0"/>
+            <a:ext cx="2971800" cy="458788"/>
+          </a:xfrm>
+          <a:prstGeom prst="rect">
+            <a:avLst/>
+          </a:prstGeom>
+        </p:spPr>
+        <p:txBody>
+          <a:bodyPr vert="horz" lIns="91440" tIns="45720" rIns="91440" bIns="45720" rtlCol="0"/>
+          <a:lstStyle>
+            <a:lvl1pPr algn="r">
+              <a:defRPr sz="1200"/>
+            </a:lvl1pPr>
+          </a:lstStyle>
+          <a:p>
+            <a:fld id="{5687EA34-BC33-4682-90ED-6976F2831C2C}" type="datetimeFigureOut">
+              <a:rPr lang="ko-KR" altLang="en-US" smtClean="0"/>
+              <a:t>2023-11-09</a:t>
+            </a:fld>
+            <a:endParaRPr lang="ko-KR" altLang="en-US"/>
+          </a:p>
+        </p:txBody>
+      </p:sp>
+      <p:sp>
+        <p:nvSpPr>
+          <p:cNvPr id="4" name="슬라이드 이미지 개체 틀 3"/>
+          <p:cNvSpPr>
+            <a:spLocks noGrp="1" noRot="1" noChangeAspect="1"/>
+          </p:cNvSpPr>
+          <p:nvPr>
+            <p:ph type="sldImg" idx="2"/>
+          </p:nvPr>
+        </p:nvSpPr>
+        <p:spPr>
+          <a:xfrm>
+            <a:off x="685800" y="1143000"/>
+            <a:ext cx="5486400" cy="3086100"/>
+          </a:xfrm>
+          <a:prstGeom prst="rect">
+            <a:avLst/>
+          </a:prstGeom>
+          <a:noFill/>
+          <a:ln w="12700">
+            <a:solidFill>
+              <a:prstClr val="black"/>
+            </a:solidFill>
+          </a:ln>
+        </p:spPr>
+        <p:txBody>
+          <a:bodyPr vert="horz" lIns="91440" tIns="45720" rIns="91440" bIns="45720" rtlCol="0" anchor="ctr"/>
+          <a:lstStyle/>
+          <a:p>
+            <a:endParaRPr lang="ko-KR" altLang="en-US"/>
+          </a:p>
+        </p:txBody>
+      </p:sp>
+      <p:sp>
+        <p:nvSpPr>
+          <p:cNvPr id="5" name="슬라이드 노트 개체 틀 4"/>
+          <p:cNvSpPr>
+            <a:spLocks noGrp="1"/>
+          </p:cNvSpPr>
+          <p:nvPr>
+            <p:ph type="body" sz="quarter" idx="3"/>
+          </p:nvPr>
+        </p:nvSpPr>
+        <p:spPr>
+          <a:xfrm>
+            <a:off x="685800" y="4400550"/>
+            <a:ext cx="5486400" cy="3600450"/>
+          </a:xfrm>
+          <a:prstGeom prst="rect">
+            <a:avLst/>
+          </a:prstGeom>
+        </p:spPr>
+        <p:txBody>
+          <a:bodyPr vert="horz" lIns="91440" tIns="45720" rIns="91440" bIns="45720" rtlCol="0"/>
+          <a:lstStyle/>
+          <a:p>
+            <a:pPr lvl="0"/>
+            <a:r>
+              <a:rPr lang="ko-KR" altLang="en-US"/>
+              <a:t>마스터 텍스트 스타일을 편집하려면 클릭</a:t>
+            </a:r>
+          </a:p>
+          <a:p>
+            <a:pPr lvl="1"/>
+            <a:r>
+              <a:rPr lang="ko-KR" altLang="en-US"/>
+              <a:t>두 번째 수준</a:t>
+            </a:r>
+          </a:p>
+          <a:p>
+            <a:pPr lvl="2"/>
+            <a:r>
+              <a:rPr lang="ko-KR" altLang="en-US"/>
+              <a:t>세 번째 수준</a:t>
+            </a:r>
+          </a:p>
+          <a:p>
+            <a:pPr lvl="3"/>
+            <a:r>
+              <a:rPr lang="ko-KR" altLang="en-US"/>
+              <a:t>네 번째 수준</a:t>
+            </a:r>
+          </a:p>
+          <a:p>
+            <a:pPr lvl="4"/>
+            <a:r>
+              <a:rPr lang="ko-KR" altLang="en-US"/>
+              <a:t>다섯 번째 수준</a:t>
+            </a:r>
+          </a:p>
+        </p:txBody>
+      </p:sp>
+      <p:sp>
+        <p:nvSpPr>
+          <p:cNvPr id="6" name="바닥글 개체 틀 5"/>
+          <p:cNvSpPr>
+            <a:spLocks noGrp="1"/>
+          </p:cNvSpPr>
+          <p:nvPr>
+            <p:ph type="ftr" sz="quarter" idx="4"/>
+          </p:nvPr>
+        </p:nvSpPr>
+        <p:spPr>
+          <a:xfrm>
+            <a:off x="0" y="8685213"/>
+            <a:ext cx="2971800" cy="458787"/>
+          </a:xfrm>
+          <a:prstGeom prst="rect">
+            <a:avLst/>
+          </a:prstGeom>
+        </p:spPr>
+        <p:txBody>
+          <a:bodyPr vert="horz" lIns="91440" tIns="45720" rIns="91440" bIns="45720" rtlCol="0" anchor="b"/>
+          <a:lstStyle>
+            <a:lvl1pPr algn="l">
+              <a:defRPr sz="1200"/>
+            </a:lvl1pPr>
+          </a:lstStyle>
+          <a:p>
+            <a:endParaRPr lang="ko-KR" altLang="en-US"/>
+          </a:p>
+        </p:txBody>
+      </p:sp>
+      <p:sp>
+        <p:nvSpPr>
+          <p:cNvPr id="7" name="슬라이드 번호 개체 틀 6"/>
+          <p:cNvSpPr>
+            <a:spLocks noGrp="1"/>
+          </p:cNvSpPr>
+          <p:nvPr>
+            <p:ph type="sldNum" sz="quarter" idx="5"/>
+          </p:nvPr>
+        </p:nvSpPr>
+        <p:spPr>
+          <a:xfrm>
+            <a:off x="3884613" y="8685213"/>
+            <a:ext cx="2971800" cy="458787"/>
+          </a:xfrm>
+          <a:prstGeom prst="rect">
+            <a:avLst/>
+          </a:prstGeom>
+        </p:spPr>
+        <p:txBody>
+          <a:bodyPr vert="horz" lIns="91440" tIns="45720" rIns="91440" bIns="45720" rtlCol="0" anchor="b"/>
+          <a:lstStyle>
+            <a:lvl1pPr algn="r">
+              <a:defRPr sz="1200"/>
+            </a:lvl1pPr>
+          </a:lstStyle>
+          <a:p>
+            <a:fld id="{1D87D45C-0B8D-4D27-A7EF-07FE15545A17}" type="slidenum">
+              <a:rPr lang="ko-KR" altLang="en-US" smtClean="0"/>
+              <a:t>‹#›</a:t>
+            </a:fld>
+            <a:endParaRPr lang="ko-KR" altLang="en-US"/>
+          </a:p>
+        </p:txBody>
+      </p:sp>
+    </p:spTree>
+    <p:extLst>
+      <p:ext uri="{BB962C8B-B14F-4D97-AF65-F5344CB8AC3E}">
+        <p14:creationId xmlns:p14="http://schemas.microsoft.com/office/powerpoint/2010/main" val="3138670042"/>
+      </p:ext>
+    </p:extLst>
+  </p:cSld>
+  <p:clrMap bg1="lt1" tx1="dk1" bg2="lt2" tx2="dk2" accent1="accent1" accent2="accent2" accent3="accent3" accent4="accent4" accent5="accent5" accent6="accent6" hlink="hlink" folHlink="folHlink"/>
+  <p:notesStyle>
+    <a:lvl1pPr marL="0" algn="l" defTabSz="914400" rtl="0" eaLnBrk="1" latinLnBrk="1" hangingPunct="1">
+      <a:defRPr sz="1200" kern="1200">
+        <a:solidFill>
+          <a:schemeClr val="tx1"/>
+        </a:solidFill>
+        <a:latin typeface="+mn-lt"/>
+        <a:ea typeface="+mn-ea"/>
+        <a:cs typeface="+mn-cs"/>
+      </a:defRPr>
+    </a:lvl1pPr>
+    <a:lvl2pPr marL="457200" algn="l" defTabSz="914400" rtl="0" eaLnBrk="1" latinLnBrk="1" hangingPunct="1">
+      <a:defRPr sz="1200" kern="1200">
+        <a:solidFill>
+          <a:schemeClr val="tx1"/>
+        </a:solidFill>
+        <a:latin typeface="+mn-lt"/>
+        <a:ea typeface="+mn-ea"/>
+        <a:cs typeface="+mn-cs"/>
+      </a:defRPr>
+    </a:lvl2pPr>
+    <a:lvl3pPr marL="914400" algn="l" defTabSz="914400" rtl="0" eaLnBrk="1" latinLnBrk="1" hangingPunct="1">
+      <a:defRPr sz="1200" kern="1200">
+        <a:solidFill>
+          <a:schemeClr val="tx1"/>
+        </a:solidFill>
+        <a:latin typeface="+mn-lt"/>
+        <a:ea typeface="+mn-ea"/>
+        <a:cs typeface="+mn-cs"/>
+      </a:defRPr>
+    </a:lvl3pPr>
+    <a:lvl4pPr marL="1371600" algn="l" defTabSz="914400" rtl="0" eaLnBrk="1" latinLnBrk="1" hangingPunct="1">
+      <a:defRPr sz="1200" kern="1200">
+        <a:solidFill>
+          <a:schemeClr val="tx1"/>
+        </a:solidFill>
+        <a:latin typeface="+mn-lt"/>
+        <a:ea typeface="+mn-ea"/>
+        <a:cs typeface="+mn-cs"/>
+      </a:defRPr>
+    </a:lvl4pPr>
+    <a:lvl5pPr marL="1828800" algn="l" defTabSz="914400" rtl="0" eaLnBrk="1" latinLnBrk="1" hangingPunct="1">
+      <a:defRPr sz="1200" kern="1200">
+        <a:solidFill>
+          <a:schemeClr val="tx1"/>
+        </a:solidFill>
+        <a:latin typeface="+mn-lt"/>
+        <a:ea typeface="+mn-ea"/>
+        <a:cs typeface="+mn-cs"/>
+      </a:defRPr>
+    </a:lvl5pPr>
+    <a:lvl6pPr marL="2286000" algn="l" defTabSz="914400" rtl="0" eaLnBrk="1" latinLnBrk="1" hangingPunct="1">
+      <a:defRPr sz="1200" kern="1200">
+        <a:solidFill>
+          <a:schemeClr val="tx1"/>
+        </a:solidFill>
+        <a:latin typeface="+mn-lt"/>
+        <a:ea typeface="+mn-ea"/>
+        <a:cs typeface="+mn-cs"/>
+      </a:defRPr>
+    </a:lvl6pPr>
+    <a:lvl7pPr marL="2743200" algn="l" defTabSz="914400" rtl="0" eaLnBrk="1" latinLnBrk="1" hangingPunct="1">
+      <a:defRPr sz="1200" kern="1200">
+        <a:solidFill>
+          <a:schemeClr val="tx1"/>
+        </a:solidFill>
+        <a:latin typeface="+mn-lt"/>
+        <a:ea typeface="+mn-ea"/>
+        <a:cs typeface="+mn-cs"/>
+      </a:defRPr>
+    </a:lvl7pPr>
+    <a:lvl8pPr marL="3200400" algn="l" defTabSz="914400" rtl="0" eaLnBrk="1" latinLnBrk="1" hangingPunct="1">
+      <a:defRPr sz="1200" kern="1200">
+        <a:solidFill>
+          <a:schemeClr val="tx1"/>
+        </a:solidFill>
+        <a:latin typeface="+mn-lt"/>
+        <a:ea typeface="+mn-ea"/>
+        <a:cs typeface="+mn-cs"/>
+      </a:defRPr>
+    </a:lvl8pPr>
+    <a:lvl9pPr marL="3657600" algn="l" defTabSz="914400" rtl="0" eaLnBrk="1" latinLnBrk="1" hangingPunct="1">
+      <a:defRPr sz="1200" kern="1200">
+        <a:solidFill>
+          <a:schemeClr val="tx1"/>
+        </a:solidFill>
+        <a:latin typeface="+mn-lt"/>
+        <a:ea typeface="+mn-ea"/>
+        <a:cs typeface="+mn-cs"/>
+      </a:defRPr>
+    </a:lvl9pPr>
+  </p:notesStyle>
+</p:notesMaster>
+</file>
+
+<file path=ppt/notesSlides/notesSlide1.xml><?xml version="1.0" encoding="utf-8"?>
+<p:notes xmlns:a="http://schemas.openxmlformats.org/drawingml/2006/main" xmlns:r="http://schemas.openxmlformats.org/officeDocument/2006/relationships" xmlns:p="http://schemas.openxmlformats.org/presentationml/2006/main">
+  <p:cSld>
+    <p:spTree>
+      <p:nvGrpSpPr>
+        <p:cNvPr id="1" name=""/>
+        <p:cNvGrpSpPr/>
+        <p:nvPr/>
+      </p:nvGrpSpPr>
+      <p:grpSpPr>
+        <a:xfrm>
+          <a:off x="0" y="0"/>
+          <a:ext cx="0" cy="0"/>
+          <a:chOff x="0" y="0"/>
+          <a:chExt cx="0" cy="0"/>
+        </a:xfrm>
+      </p:grpSpPr>
+      <p:sp>
+        <p:nvSpPr>
+          <p:cNvPr id="2" name="슬라이드 이미지 개체 틀 1"/>
+          <p:cNvSpPr>
+            <a:spLocks noGrp="1" noRot="1" noChangeAspect="1"/>
+          </p:cNvSpPr>
+          <p:nvPr>
+            <p:ph type="sldImg"/>
+          </p:nvPr>
+        </p:nvSpPr>
+        <p:spPr/>
+      </p:sp>
+      <p:sp>
+        <p:nvSpPr>
+          <p:cNvPr id="3" name="슬라이드 노트 개체 틀 2"/>
+          <p:cNvSpPr>
+            <a:spLocks noGrp="1"/>
+          </p:cNvSpPr>
+          <p:nvPr>
+            <p:ph type="body" idx="1"/>
+          </p:nvPr>
+        </p:nvSpPr>
+        <p:spPr/>
+        <p:txBody>
+          <a:bodyPr/>
+          <a:lstStyle/>
+          <a:p>
+            <a:endParaRPr lang="ko-KR" altLang="en-US" dirty="0"/>
+          </a:p>
+        </p:txBody>
+      </p:sp>
+      <p:sp>
+        <p:nvSpPr>
+          <p:cNvPr id="4" name="슬라이드 번호 개체 틀 3"/>
+          <p:cNvSpPr>
+            <a:spLocks noGrp="1"/>
+          </p:cNvSpPr>
+          <p:nvPr>
+            <p:ph type="sldNum" sz="quarter" idx="5"/>
+          </p:nvPr>
+        </p:nvSpPr>
+        <p:spPr/>
+        <p:txBody>
+          <a:bodyPr/>
+          <a:lstStyle/>
+          <a:p>
+            <a:fld id="{1D87D45C-0B8D-4D27-A7EF-07FE15545A17}" type="slidenum">
+              <a:rPr lang="ko-KR" altLang="en-US" smtClean="0"/>
+              <a:t>1</a:t>
+            </a:fld>
+            <a:endParaRPr lang="ko-KR" altLang="en-US"/>
+          </a:p>
+        </p:txBody>
+      </p:sp>
+    </p:spTree>
+    <p:extLst>
+      <p:ext uri="{BB962C8B-B14F-4D97-AF65-F5344CB8AC3E}">
+        <p14:creationId xmlns:p14="http://schemas.microsoft.com/office/powerpoint/2010/main" val="3611408803"/>
+      </p:ext>
+    </p:extLst>
+  </p:cSld>
+  <p:clrMapOvr>
+    <a:masterClrMapping/>
+  </p:clrMapOvr>
+</p:notes>
+</file>
+
+<file path=ppt/notesSlides/notesSlide2.xml><?xml version="1.0" encoding="utf-8"?>
+<p:notes xmlns:a="http://schemas.openxmlformats.org/drawingml/2006/main" xmlns:r="http://schemas.openxmlformats.org/officeDocument/2006/relationships" xmlns:p="http://schemas.openxmlformats.org/presentationml/2006/main">
+  <p:cSld>
+    <p:spTree>
+      <p:nvGrpSpPr>
+        <p:cNvPr id="1" name=""/>
+        <p:cNvGrpSpPr/>
+        <p:nvPr/>
+      </p:nvGrpSpPr>
+      <p:grpSpPr>
+        <a:xfrm>
+          <a:off x="0" y="0"/>
+          <a:ext cx="0" cy="0"/>
+          <a:chOff x="0" y="0"/>
+          <a:chExt cx="0" cy="0"/>
+        </a:xfrm>
+      </p:grpSpPr>
+      <p:sp>
+        <p:nvSpPr>
+          <p:cNvPr id="2" name="슬라이드 이미지 개체 틀 1"/>
+          <p:cNvSpPr>
+            <a:spLocks noGrp="1" noRot="1" noChangeAspect="1"/>
+          </p:cNvSpPr>
+          <p:nvPr>
+            <p:ph type="sldImg"/>
+          </p:nvPr>
+        </p:nvSpPr>
+        <p:spPr/>
+      </p:sp>
+      <p:sp>
+        <p:nvSpPr>
+          <p:cNvPr id="3" name="슬라이드 노트 개체 틀 2"/>
+          <p:cNvSpPr>
+            <a:spLocks noGrp="1"/>
+          </p:cNvSpPr>
+          <p:nvPr>
+            <p:ph type="body" idx="1"/>
+          </p:nvPr>
+        </p:nvSpPr>
+        <p:spPr/>
+        <p:txBody>
+          <a:bodyPr/>
+          <a:lstStyle/>
+          <a:p>
+            <a:r>
+              <a:rPr lang="ko-KR" altLang="en-US" dirty="0"/>
+              <a:t>맵 타일</a:t>
+            </a:r>
+          </a:p>
+        </p:txBody>
+      </p:sp>
+      <p:sp>
+        <p:nvSpPr>
+          <p:cNvPr id="4" name="슬라이드 번호 개체 틀 3"/>
+          <p:cNvSpPr>
+            <a:spLocks noGrp="1"/>
+          </p:cNvSpPr>
+          <p:nvPr>
+            <p:ph type="sldNum" sz="quarter" idx="5"/>
+          </p:nvPr>
+        </p:nvSpPr>
+        <p:spPr/>
+        <p:txBody>
+          <a:bodyPr/>
+          <a:lstStyle/>
+          <a:p>
+            <a:fld id="{1D87D45C-0B8D-4D27-A7EF-07FE15545A17}" type="slidenum">
+              <a:rPr lang="ko-KR" altLang="en-US" smtClean="0"/>
+              <a:t>2</a:t>
+            </a:fld>
+            <a:endParaRPr lang="ko-KR" altLang="en-US"/>
+          </a:p>
+        </p:txBody>
+      </p:sp>
+    </p:spTree>
+    <p:extLst>
+      <p:ext uri="{BB962C8B-B14F-4D97-AF65-F5344CB8AC3E}">
+        <p14:creationId xmlns:p14="http://schemas.microsoft.com/office/powerpoint/2010/main" val="1258900774"/>
+      </p:ext>
+    </p:extLst>
+  </p:cSld>
+  <p:clrMapOvr>
+    <a:masterClrMapping/>
+  </p:clrMapOvr>
+</p:notes>
+</file>
+
+<file path=ppt/notesSlides/notesSlide3.xml><?xml version="1.0" encoding="utf-8"?>
+<p:notes xmlns:a="http://schemas.openxmlformats.org/drawingml/2006/main" xmlns:r="http://schemas.openxmlformats.org/officeDocument/2006/relationships" xmlns:p="http://schemas.openxmlformats.org/presentationml/2006/main">
+  <p:cSld>
+    <p:spTree>
+      <p:nvGrpSpPr>
+        <p:cNvPr id="1" name=""/>
+        <p:cNvGrpSpPr/>
+        <p:nvPr/>
+      </p:nvGrpSpPr>
+      <p:grpSpPr>
+        <a:xfrm>
+          <a:off x="0" y="0"/>
+          <a:ext cx="0" cy="0"/>
+          <a:chOff x="0" y="0"/>
+          <a:chExt cx="0" cy="0"/>
+        </a:xfrm>
+      </p:grpSpPr>
+      <p:sp>
+        <p:nvSpPr>
+          <p:cNvPr id="2" name="슬라이드 이미지 개체 틀 1"/>
+          <p:cNvSpPr>
+            <a:spLocks noGrp="1" noRot="1" noChangeAspect="1"/>
+          </p:cNvSpPr>
+          <p:nvPr>
+            <p:ph type="sldImg"/>
+          </p:nvPr>
+        </p:nvSpPr>
+        <p:spPr/>
+      </p:sp>
+      <p:sp>
+        <p:nvSpPr>
+          <p:cNvPr id="3" name="슬라이드 노트 개체 틀 2"/>
+          <p:cNvSpPr>
+            <a:spLocks noGrp="1"/>
+          </p:cNvSpPr>
+          <p:nvPr>
+            <p:ph type="body" idx="1"/>
+          </p:nvPr>
+        </p:nvSpPr>
+        <p:spPr/>
+        <p:txBody>
+          <a:bodyPr/>
+          <a:lstStyle/>
+          <a:p>
+            <a:r>
+              <a:rPr lang="ko-KR" altLang="en-US" dirty="0" err="1"/>
+              <a:t>스즈미</a:t>
+            </a:r>
+            <a:r>
+              <a:rPr lang="ko-KR" altLang="en-US" dirty="0"/>
+              <a:t> 타일</a:t>
+            </a:r>
+          </a:p>
+        </p:txBody>
+      </p:sp>
+      <p:sp>
+        <p:nvSpPr>
+          <p:cNvPr id="4" name="슬라이드 번호 개체 틀 3"/>
+          <p:cNvSpPr>
+            <a:spLocks noGrp="1"/>
+          </p:cNvSpPr>
+          <p:nvPr>
+            <p:ph type="sldNum" sz="quarter" idx="5"/>
+          </p:nvPr>
+        </p:nvSpPr>
+        <p:spPr/>
+        <p:txBody>
+          <a:bodyPr/>
+          <a:lstStyle/>
+          <a:p>
+            <a:fld id="{1D87D45C-0B8D-4D27-A7EF-07FE15545A17}" type="slidenum">
+              <a:rPr lang="ko-KR" altLang="en-US" smtClean="0"/>
+              <a:t>3</a:t>
+            </a:fld>
+            <a:endParaRPr lang="ko-KR" altLang="en-US"/>
+          </a:p>
+        </p:txBody>
+      </p:sp>
+    </p:spTree>
+    <p:extLst>
+      <p:ext uri="{BB962C8B-B14F-4D97-AF65-F5344CB8AC3E}">
+        <p14:creationId xmlns:p14="http://schemas.microsoft.com/office/powerpoint/2010/main" val="4105339980"/>
+      </p:ext>
+    </p:extLst>
+  </p:cSld>
+  <p:clrMapOvr>
+    <a:masterClrMapping/>
+  </p:clrMapOvr>
+</p:notes>
+</file>
+
 <file path=ppt/slideLayouts/slideLayout1.xml><?xml version="1.0" encoding="utf-8"?>
 <p:sldLayout xmlns:a="http://schemas.openxmlformats.org/drawingml/2006/main" xmlns:r="http://schemas.openxmlformats.org/officeDocument/2006/relationships" xmlns:p="http://schemas.openxmlformats.org/presentationml/2006/main" type="title" preserve="1">
   <p:cSld name="제목 슬라이드">
@@ -261,7 +876,7 @@
           <a:p>
             <a:fld id="{FFEE3456-DD89-477C-B12D-41A07A448EC1}" type="datetimeFigureOut">
               <a:rPr lang="ko-KR" altLang="en-US" smtClean="0"/>
-              <a:t>2023-11-08</a:t>
+              <a:t>2023-11-09</a:t>
             </a:fld>
             <a:endParaRPr lang="ko-KR" altLang="en-US"/>
           </a:p>
@@ -459,7 +1074,7 @@
           <a:p>
             <a:fld id="{FFEE3456-DD89-477C-B12D-41A07A448EC1}" type="datetimeFigureOut">
               <a:rPr lang="ko-KR" altLang="en-US" smtClean="0"/>
-              <a:t>2023-11-08</a:t>
+              <a:t>2023-11-09</a:t>
             </a:fld>
             <a:endParaRPr lang="ko-KR" altLang="en-US"/>
           </a:p>
@@ -667,7 +1282,7 @@
           <a:p>
             <a:fld id="{FFEE3456-DD89-477C-B12D-41A07A448EC1}" type="datetimeFigureOut">
               <a:rPr lang="ko-KR" altLang="en-US" smtClean="0"/>
-              <a:t>2023-11-08</a:t>
+              <a:t>2023-11-09</a:t>
             </a:fld>
             <a:endParaRPr lang="ko-KR" altLang="en-US"/>
           </a:p>
@@ -865,7 +1480,7 @@
           <a:p>
             <a:fld id="{FFEE3456-DD89-477C-B12D-41A07A448EC1}" type="datetimeFigureOut">
               <a:rPr lang="ko-KR" altLang="en-US" smtClean="0"/>
-              <a:t>2023-11-08</a:t>
+              <a:t>2023-11-09</a:t>
             </a:fld>
             <a:endParaRPr lang="ko-KR" altLang="en-US"/>
           </a:p>
@@ -1140,7 +1755,7 @@
           <a:p>
             <a:fld id="{FFEE3456-DD89-477C-B12D-41A07A448EC1}" type="datetimeFigureOut">
               <a:rPr lang="ko-KR" altLang="en-US" smtClean="0"/>
-              <a:t>2023-11-08</a:t>
+              <a:t>2023-11-09</a:t>
             </a:fld>
             <a:endParaRPr lang="ko-KR" altLang="en-US"/>
           </a:p>
@@ -1405,7 +2020,7 @@
           <a:p>
             <a:fld id="{FFEE3456-DD89-477C-B12D-41A07A448EC1}" type="datetimeFigureOut">
               <a:rPr lang="ko-KR" altLang="en-US" smtClean="0"/>
-              <a:t>2023-11-08</a:t>
+              <a:t>2023-11-09</a:t>
             </a:fld>
             <a:endParaRPr lang="ko-KR" altLang="en-US"/>
           </a:p>
@@ -1817,7 +2432,7 @@
           <a:p>
             <a:fld id="{FFEE3456-DD89-477C-B12D-41A07A448EC1}" type="datetimeFigureOut">
               <a:rPr lang="ko-KR" altLang="en-US" smtClean="0"/>
-              <a:t>2023-11-08</a:t>
+              <a:t>2023-11-09</a:t>
             </a:fld>
             <a:endParaRPr lang="ko-KR" altLang="en-US"/>
           </a:p>
@@ -1958,7 +2573,7 @@
           <a:p>
             <a:fld id="{FFEE3456-DD89-477C-B12D-41A07A448EC1}" type="datetimeFigureOut">
               <a:rPr lang="ko-KR" altLang="en-US" smtClean="0"/>
-              <a:t>2023-11-08</a:t>
+              <a:t>2023-11-09</a:t>
             </a:fld>
             <a:endParaRPr lang="ko-KR" altLang="en-US"/>
           </a:p>
@@ -2071,7 +2686,7 @@
           <a:p>
             <a:fld id="{FFEE3456-DD89-477C-B12D-41A07A448EC1}" type="datetimeFigureOut">
               <a:rPr lang="ko-KR" altLang="en-US" smtClean="0"/>
-              <a:t>2023-11-08</a:t>
+              <a:t>2023-11-09</a:t>
             </a:fld>
             <a:endParaRPr lang="ko-KR" altLang="en-US"/>
           </a:p>
@@ -2382,7 +2997,7 @@
           <a:p>
             <a:fld id="{FFEE3456-DD89-477C-B12D-41A07A448EC1}" type="datetimeFigureOut">
               <a:rPr lang="ko-KR" altLang="en-US" smtClean="0"/>
-              <a:t>2023-11-08</a:t>
+              <a:t>2023-11-09</a:t>
             </a:fld>
             <a:endParaRPr lang="ko-KR" altLang="en-US"/>
           </a:p>
@@ -2670,7 +3285,7 @@
           <a:p>
             <a:fld id="{FFEE3456-DD89-477C-B12D-41A07A448EC1}" type="datetimeFigureOut">
               <a:rPr lang="ko-KR" altLang="en-US" smtClean="0"/>
-              <a:t>2023-11-08</a:t>
+              <a:t>2023-11-09</a:t>
             </a:fld>
             <a:endParaRPr lang="ko-KR" altLang="en-US"/>
           </a:p>
@@ -2911,7 +3526,7 @@
           <a:p>
             <a:fld id="{FFEE3456-DD89-477C-B12D-41A07A448EC1}" type="datetimeFigureOut">
               <a:rPr lang="ko-KR" altLang="en-US" smtClean="0"/>
-              <a:t>2023-11-08</a:t>
+              <a:t>2023-11-09</a:t>
             </a:fld>
             <a:endParaRPr lang="ko-KR" altLang="en-US"/>
           </a:p>
@@ -3343,11 +3958,11 @@
           <p:nvPr/>
         </p:nvPicPr>
         <p:blipFill rotWithShape="1">
-          <a:blip r:embed="rId2">
+          <a:blip r:embed="rId3">
             <a:extLst>
               <a:ext uri="{BEBA8EAE-BF5A-486C-A8C5-ECC9F3942E4B}">
                 <a14:imgProps xmlns:a14="http://schemas.microsoft.com/office/drawing/2010/main">
-                  <a14:imgLayer r:embed="rId3">
+                  <a14:imgLayer r:embed="rId4">
                     <a14:imgEffect>
                       <a14:backgroundRemoval t="9915" b="92493" l="10000" r="90000">
                         <a14:foregroundMark x1="23882" y1="78612" x2="24235" y2="87535"/>
@@ -3414,7 +4029,7 @@
         </p:blipFill>
         <p:spPr>
           <a:xfrm>
-            <a:off x="2777706" y="2553419"/>
+            <a:off x="2648498" y="1678776"/>
             <a:ext cx="1794294" cy="3648973"/>
           </a:xfrm>
           <a:prstGeom prst="rect">
@@ -3467,7 +4082,7 @@
           <p:nvPr/>
         </p:nvPicPr>
         <p:blipFill rotWithShape="1">
-          <a:blip r:embed="rId2">
+          <a:blip r:embed="rId3">
             <a:extLst>
               <a:ext uri="{28A0092B-C50C-407E-A947-70E740481C1C}">
                 <a14:useLocalDpi xmlns:a14="http://schemas.microsoft.com/office/drawing/2010/main" val="0"/>
@@ -3532,7 +4147,7 @@
           <p:nvPr/>
         </p:nvPicPr>
         <p:blipFill rotWithShape="1">
-          <a:blip r:embed="rId2">
+          <a:blip r:embed="rId3">
             <a:extLst>
               <a:ext uri="{28A0092B-C50C-407E-A947-70E740481C1C}">
                 <a14:useLocalDpi xmlns:a14="http://schemas.microsoft.com/office/drawing/2010/main" val="0"/>
@@ -3556,6 +4171,268 @@
     <p:extLst>
       <p:ext uri="{BB962C8B-B14F-4D97-AF65-F5344CB8AC3E}">
         <p14:creationId xmlns:p14="http://schemas.microsoft.com/office/powerpoint/2010/main" val="2186066024"/>
+      </p:ext>
+    </p:extLst>
+  </p:cSld>
+  <p:clrMapOvr>
+    <a:masterClrMapping/>
+  </p:clrMapOvr>
+</p:sld>
+</file>
+
+<file path=ppt/slides/slide4.xml><?xml version="1.0" encoding="utf-8"?>
+<p:sld xmlns:a="http://schemas.openxmlformats.org/drawingml/2006/main" xmlns:r="http://schemas.openxmlformats.org/officeDocument/2006/relationships" xmlns:p="http://schemas.openxmlformats.org/presentationml/2006/main">
+  <p:cSld>
+    <p:spTree>
+      <p:nvGrpSpPr>
+        <p:cNvPr id="1" name=""/>
+        <p:cNvGrpSpPr/>
+        <p:nvPr/>
+      </p:nvGrpSpPr>
+      <p:grpSpPr>
+        <a:xfrm>
+          <a:off x="0" y="0"/>
+          <a:ext cx="0" cy="0"/>
+          <a:chOff x="0" y="0"/>
+          <a:chExt cx="0" cy="0"/>
+        </a:xfrm>
+      </p:grpSpPr>
+      <p:pic>
+        <p:nvPicPr>
+          <p:cNvPr id="5" name="그림 4" descr="스케치, 그림, 일러스트레이션, 만화 영화이(가) 표시된 사진&#10;&#10;자동 생성된 설명">
+            <a:extLst>
+              <a:ext uri="{FF2B5EF4-FFF2-40B4-BE49-F238E27FC236}">
+                <a16:creationId xmlns:a16="http://schemas.microsoft.com/office/drawing/2014/main" id="{7C7B9D0A-00F5-8F42-4C59-87BF7F9C56ED}"/>
+              </a:ext>
+            </a:extLst>
+          </p:cNvPr>
+          <p:cNvPicPr>
+            <a:picLocks noChangeAspect="1"/>
+          </p:cNvPicPr>
+          <p:nvPr/>
+        </p:nvPicPr>
+        <p:blipFill rotWithShape="1">
+          <a:blip r:embed="rId2">
+            <a:extLst>
+              <a:ext uri="{BEBA8EAE-BF5A-486C-A8C5-ECC9F3942E4B}">
+                <a14:imgProps xmlns:a14="http://schemas.microsoft.com/office/drawing/2010/main">
+                  <a14:imgLayer r:embed="rId3">
+                    <a14:imgEffect>
+                      <a14:backgroundRemoval t="10000" b="90000" l="10000" r="90000">
+                        <a14:foregroundMark x1="61899" y1="25779" x2="57607" y2="34136"/>
+                        <a14:foregroundMark x1="57607" y1="34136" x2="61378" y2="27054"/>
+                        <a14:foregroundMark x1="61378" y1="27054" x2="60598" y2="25921"/>
+                        <a14:foregroundMark x1="50065" y1="60482" x2="49805" y2="62868"/>
+                        <a14:foregroundMark x1="51744" y1="71026" x2="54353" y2="73229"/>
+                        <a14:foregroundMark x1="55037" y1="64873" x2="55007" y2="64306"/>
+                        <a14:foregroundMark x1="55052" y1="65156" x2="55037" y2="64873"/>
+                        <a14:foregroundMark x1="55065" y1="65408" x2="55052" y2="65156"/>
+                        <a14:foregroundMark x1="55007" y1="64306" x2="66450" y2="54533"/>
+                        <a14:foregroundMark x1="66450" y1="54533" x2="68140" y2="43484"/>
+                        <a14:foregroundMark x1="68140" y1="43484" x2="61378" y2="43201"/>
+                        <a14:foregroundMark x1="61378" y1="43201" x2="61378" y2="43201"/>
+                        <a14:foregroundMark x1="71391" y1="64023" x2="71391" y2="64023"/>
+                        <a14:foregroundMark x1="71782" y1="65439" x2="71782" y2="65439"/>
+                        <a14:foregroundMark x1="71521" y1="66289" x2="71521" y2="66289"/>
+                        <a14:foregroundMark x1="72562" y1="68555" x2="72562" y2="68555"/>
+                        <a14:foregroundMark x1="72692" y1="68980" x2="72692" y2="68980"/>
+                        <a14:foregroundMark x1="73212" y1="69122" x2="73212" y2="69122"/>
+                        <a14:foregroundMark x1="58257" y1="54674" x2="58257" y2="54674"/>
+                        <a14:foregroundMark x1="61378" y1="50708" x2="60468" y2="50708"/>
+                        <a14:foregroundMark x1="60338" y1="50425" x2="54486" y2="49858"/>
+                        <a14:foregroundMark x1="59818" y1="52408" x2="59818" y2="52408"/>
+                        <a14:foregroundMark x1="57737" y1="52975" x2="57737" y2="52975"/>
+                        <a14:foregroundMark x1="57997" y1="55666" x2="57997" y2="55666"/>
+                        <a14:backgroundMark x1="46684" y1="59348" x2="50455" y2="75212"/>
+                        <a14:backgroundMark x1="50455" y1="75212" x2="50585" y2="75212"/>
+                        <a14:backgroundMark x1="54226" y1="65722" x2="57217" y2="74788"/>
+                        <a14:backgroundMark x1="55267" y1="65439" x2="55267" y2="65439"/>
+                        <a14:backgroundMark x1="55007" y1="65439" x2="56177" y2="65722"/>
+                        <a14:backgroundMark x1="55137" y1="65156" x2="55137" y2="65156"/>
+                        <a14:backgroundMark x1="54876" y1="65014" x2="54876" y2="65014"/>
+                        <a14:backgroundMark x1="55267" y1="64873" x2="55267" y2="64873"/>
+                        <a14:backgroundMark x1="55007" y1="65156" x2="55007" y2="65156"/>
+                        <a14:backgroundMark x1="55137" y1="65156" x2="55137" y2="65156"/>
+                        <a14:backgroundMark x1="54876" y1="65156" x2="54876" y2="65156"/>
+                        <a14:backgroundMark x1="55137" y1="64873" x2="55137" y2="64873"/>
+                        <a14:backgroundMark x1="73992" y1="63314" x2="74252" y2="66431"/>
+                        <a14:backgroundMark x1="78804" y1="51416" x2="81014" y2="54674"/>
+                        <a14:backgroundMark x1="49025" y1="70113" x2="51495" y2="73796"/>
+                      </a14:backgroundRemoval>
+                    </a14:imgEffect>
+                  </a14:imgLayer>
+                </a14:imgProps>
+              </a:ext>
+              <a:ext uri="{28A0092B-C50C-407E-A947-70E740481C1C}">
+                <a14:useLocalDpi xmlns:a14="http://schemas.microsoft.com/office/drawing/2010/main" val="0"/>
+              </a:ext>
+            </a:extLst>
+          </a:blip>
+          <a:srcRect l="45315" t="14533" r="19681" b="25173"/>
+          <a:stretch/>
+        </p:blipFill>
+        <p:spPr>
+          <a:xfrm>
+            <a:off x="3366052" y="1540566"/>
+            <a:ext cx="2564296" cy="4055166"/>
+          </a:xfrm>
+          <a:prstGeom prst="rect">
+            <a:avLst/>
+          </a:prstGeom>
+        </p:spPr>
+      </p:pic>
+      <p:pic>
+        <p:nvPicPr>
+          <p:cNvPr id="7" name="그림 6" descr="일러스트레이션, 만화 영화, 스케치, 그림이(가) 표시된 사진&#10;&#10;자동 생성된 설명">
+            <a:extLst>
+              <a:ext uri="{FF2B5EF4-FFF2-40B4-BE49-F238E27FC236}">
+                <a16:creationId xmlns:a16="http://schemas.microsoft.com/office/drawing/2014/main" id="{DD8C27BA-3A4B-3541-8E69-5B5CD778920D}"/>
+              </a:ext>
+            </a:extLst>
+          </p:cNvPr>
+          <p:cNvPicPr>
+            <a:picLocks noChangeAspect="1"/>
+          </p:cNvPicPr>
+          <p:nvPr/>
+        </p:nvPicPr>
+        <p:blipFill rotWithShape="1">
+          <a:blip r:embed="rId4">
+            <a:extLst>
+              <a:ext uri="{BEBA8EAE-BF5A-486C-A8C5-ECC9F3942E4B}">
+                <a14:imgProps xmlns:a14="http://schemas.microsoft.com/office/drawing/2010/main">
+                  <a14:imgLayer r:embed="rId5">
+                    <a14:imgEffect>
+                      <a14:backgroundRemoval t="10000" b="90000" l="10000" r="90000">
+                        <a14:foregroundMark x1="79999" y1="55273" x2="77593" y2="61566"/>
+                        <a14:foregroundMark x1="56851" y1="69526" x2="56501" y2="69456"/>
+                        <a14:foregroundMark x1="66163" y1="71383" x2="64434" y2="71038"/>
+                        <a14:foregroundMark x1="72790" y1="72704" x2="70263" y2="72200"/>
+                        <a14:foregroundMark x1="74235" y1="20538" x2="75882" y2="27762"/>
+                        <a14:foregroundMark x1="75294" y1="19405" x2="74824" y2="20680"/>
+                        <a14:foregroundMark x1="64941" y1="28187" x2="61647" y2="31870"/>
+                        <a14:foregroundMark x1="62235" y1="51841" x2="68118" y2="54816"/>
+                        <a14:foregroundMark x1="55633" y1="66487" x2="57059" y2="63739"/>
+                        <a14:foregroundMark x1="55412" y1="59632" x2="55412" y2="65423"/>
+                        <a14:foregroundMark x1="71176" y1="49717" x2="70118" y2="48442"/>
+                        <a14:foregroundMark x1="56252" y1="70591" x2="59542" y2="73496"/>
+                        <a14:foregroundMark x1="59584" y1="73408" x2="55529" y2="68130"/>
+                        <a14:foregroundMark x1="75176" y1="61473" x2="76471" y2="61756"/>
+                        <a14:foregroundMark x1="74824" y1="61190" x2="74954" y2="62783"/>
+                        <a14:foregroundMark x1="76963" y1="61566" x2="76824" y2="62181"/>
+                        <a14:foregroundMark x1="74515" y1="62661" x2="75882" y2="62748"/>
+                        <a14:foregroundMark x1="73647" y1="62606" x2="74398" y2="62654"/>
+                        <a14:foregroundMark x1="74824" y1="61615" x2="74625" y2="64339"/>
+                        <a14:foregroundMark x1="74434" y1="62639" x2="74471" y2="61331"/>
+                        <a14:foregroundMark x1="70588" y1="43201" x2="70353" y2="54533"/>
+                        <a14:foregroundMark x1="70353" y1="54533" x2="71647" y2="46034"/>
+                        <a14:foregroundMark x1="71647" y1="46034" x2="70118" y2="44759"/>
+                        <a14:foregroundMark x1="70824" y1="42493" x2="64588" y2="44901"/>
+                        <a14:foregroundMark x1="64588" y1="44901" x2="64235" y2="54674"/>
+                        <a14:foregroundMark x1="64235" y1="54674" x2="68471" y2="48867"/>
+                        <a14:foregroundMark x1="68471" y1="48867" x2="68235" y2="46601"/>
+                        <a14:foregroundMark x1="75412" y1="18697" x2="76000" y2="27337"/>
+                        <a14:foregroundMark x1="76000" y1="27337" x2="74235" y2="37252"/>
+                        <a14:foregroundMark x1="74235" y1="37252" x2="74353" y2="39377"/>
+                        <a14:foregroundMark x1="73882" y1="63598" x2="75176" y2="62465"/>
+                        <a14:foregroundMark x1="75176" y1="63031" x2="75176" y2="61615"/>
+                        <a14:foregroundMark x1="73176" y1="63173" x2="74824" y2="63598"/>
+                        <a14:foregroundMark x1="73765" y1="62465" x2="75059" y2="62323"/>
+                        <a14:foregroundMark x1="74353" y1="63031" x2="74353" y2="61615"/>
+                        <a14:foregroundMark x1="74118" y1="62606" x2="73412" y2="62040"/>
+                        <a14:foregroundMark x1="75176" y1="62323" x2="74353" y2="62040"/>
+                        <a14:foregroundMark x1="74706" y1="65014" x2="74706" y2="65014"/>
+                        <a14:foregroundMark x1="74588" y1="65722" x2="74588" y2="65722"/>
+                        <a14:foregroundMark x1="74471" y1="66431" x2="74471" y2="66431"/>
+                        <a14:foregroundMark x1="74824" y1="67280" x2="74824" y2="67280"/>
+                        <a14:foregroundMark x1="75294" y1="67989" x2="75294" y2="67989"/>
+                        <a14:foregroundMark x1="75176" y1="68555" x2="75176" y2="68555"/>
+                        <a14:foregroundMark x1="75529" y1="69122" x2="75819" y2="69122"/>
+                        <a14:foregroundMark x1="54118" y1="63739" x2="54118" y2="63739"/>
+                        <a14:foregroundMark x1="54471" y1="63173" x2="54471" y2="63173"/>
+                        <a14:foregroundMark x1="54235" y1="63173" x2="54235" y2="63173"/>
+                        <a14:backgroundMark x1="55300" y1="72687" x2="59176" y2="86402"/>
+                        <a14:backgroundMark x1="41765" y1="24788" x2="51993" y2="60983"/>
+                        <a14:backgroundMark x1="47294" y1="42493" x2="50706" y2="32011"/>
+                        <a14:backgroundMark x1="50706" y1="32011" x2="65882" y2="13456"/>
+                        <a14:backgroundMark x1="65882" y1="13456" x2="69882" y2="10623"/>
+                        <a14:backgroundMark x1="71412" y1="6374" x2="54471" y2="17280"/>
+                        <a14:backgroundMark x1="54471" y1="17280" x2="53765" y2="18414"/>
+                        <a14:backgroundMark x1="63059" y1="11898" x2="54353" y2="27195"/>
+                        <a14:backgroundMark x1="59059" y1="9773" x2="52941" y2="17564"/>
+                        <a14:backgroundMark x1="59882" y1="19547" x2="56941" y2="26346"/>
+                        <a14:backgroundMark x1="77619" y1="21626" x2="80000" y2="23229"/>
+                        <a14:backgroundMark x1="69059" y1="15864" x2="73347" y2="18751"/>
+                        <a14:backgroundMark x1="80000" y1="23229" x2="79765" y2="32436"/>
+                        <a14:backgroundMark x1="79765" y1="32436" x2="77059" y2="41501"/>
+                        <a14:backgroundMark x1="77059" y1="41501" x2="82000" y2="50992"/>
+                        <a14:backgroundMark x1="82000" y1="50992" x2="82000" y2="61190"/>
+                        <a14:backgroundMark x1="82000" y1="61190" x2="77335" y2="67341"/>
+                        <a14:backgroundMark x1="77573" y1="29997" x2="77882" y2="35694"/>
+                        <a14:backgroundMark x1="77425" y1="27265" x2="77449" y2="27706"/>
+                        <a14:backgroundMark x1="77421" y1="18500" x2="82941" y2="23229"/>
+                        <a14:backgroundMark x1="69882" y1="12040" x2="77405" y2="18486"/>
+                        <a14:backgroundMark x1="69529" y1="12748" x2="74471" y2="13598"/>
+                        <a14:backgroundMark x1="68235" y1="10623" x2="75059" y2="13031"/>
+                        <a14:backgroundMark x1="53000" y1="63739" x2="54118" y2="69122"/>
+                        <a14:backgroundMark x1="52883" y1="63173" x2="53000" y2="63739"/>
+                        <a14:backgroundMark x1="52471" y1="61190" x2="52883" y2="63173"/>
+                        <a14:backgroundMark x1="55006" y1="72427" x2="55765" y2="74363"/>
+                        <a14:backgroundMark x1="53765" y1="69263" x2="53979" y2="69810"/>
+                        <a14:backgroundMark x1="59059" y1="62323" x2="58841" y2="69940"/>
+                        <a14:backgroundMark x1="61129" y1="72389" x2="61647" y2="72805"/>
+                        <a14:backgroundMark x1="74496" y1="71154" x2="75176" y2="73938"/>
+                        <a14:backgroundMark x1="74135" y1="69677" x2="74483" y2="71101"/>
+                        <a14:backgroundMark x1="77053" y1="63881" x2="77882" y2="63881"/>
+                        <a14:backgroundMark x1="77529" y1="63031" x2="77008" y2="63321"/>
+                        <a14:backgroundMark x1="67882" y1="68130" x2="68471" y2="74646"/>
+                        <a14:backgroundMark x1="76747" y1="65014" x2="76808" y2="66704"/>
+                        <a14:backgroundMark x1="76706" y1="63881" x2="76747" y2="65014"/>
+                        <a14:backgroundMark x1="62588" y1="69830" x2="62118" y2="72805"/>
+                        <a14:backgroundMark x1="53647" y1="68555" x2="54824" y2="71388"/>
+                        <a14:backgroundMark x1="59059" y1="74504" x2="60471" y2="74221"/>
+                        <a14:backgroundMark x1="74088" y1="68555" x2="74471" y2="70397"/>
+                        <a14:backgroundMark x1="73970" y1="67989" x2="74088" y2="68555"/>
+                        <a14:backgroundMark x1="73823" y1="67280" x2="73970" y2="67989"/>
+                        <a14:backgroundMark x1="73647" y1="66431" x2="73823" y2="67280"/>
+                        <a14:backgroundMark x1="73506" y1="65754" x2="73647" y2="66431"/>
+                        <a14:backgroundMark x1="75993" y1="65014" x2="75882" y2="65581"/>
+                        <a14:backgroundMark x1="76106" y1="64435" x2="75993" y2="65014"/>
+                        <a14:backgroundMark x1="76353" y1="63173" x2="76112" y2="64406"/>
+                        <a14:backgroundMark x1="76471" y1="64023" x2="78353" y2="63598"/>
+                        <a14:backgroundMark x1="76353" y1="63598" x2="77647" y2="63598"/>
+                        <a14:backgroundMark x1="75294" y1="70113" x2="75647" y2="70113"/>
+                        <a14:backgroundMark x1="75059" y1="69547" x2="75059" y2="69547"/>
+                        <a14:backgroundMark x1="75765" y1="69972" x2="75765" y2="69972"/>
+                        <a14:backgroundMark x1="75529" y1="69547" x2="75529" y2="69547"/>
+                        <a14:backgroundMark x1="75412" y1="69405" x2="75412" y2="69405"/>
+                        <a14:backgroundMark x1="75647" y1="69405" x2="75647" y2="69405"/>
+                      </a14:backgroundRemoval>
+                    </a14:imgEffect>
+                  </a14:imgLayer>
+                </a14:imgProps>
+              </a:ext>
+              <a:ext uri="{28A0092B-C50C-407E-A947-70E740481C1C}">
+                <a14:useLocalDpi xmlns:a14="http://schemas.microsoft.com/office/drawing/2010/main" val="0"/>
+              </a:ext>
+            </a:extLst>
+          </a:blip>
+          <a:srcRect l="50818" t="16301" r="17509" b="23395"/>
+          <a:stretch/>
+        </p:blipFill>
+        <p:spPr>
+          <a:xfrm>
+            <a:off x="7295323" y="1540566"/>
+            <a:ext cx="2564296" cy="4055166"/>
+          </a:xfrm>
+          <a:prstGeom prst="rect">
+            <a:avLst/>
+          </a:prstGeom>
+        </p:spPr>
+      </p:pic>
+    </p:spTree>
+    <p:extLst>
+      <p:ext uri="{BB962C8B-B14F-4D97-AF65-F5344CB8AC3E}">
+        <p14:creationId xmlns:p14="http://schemas.microsoft.com/office/powerpoint/2010/main" val="469290718"/>
       </p:ext>
     </p:extLst>
   </p:cSld>
@@ -3858,4 +4735,299 @@
     </a:ext>
   </a:extLst>
 </a:theme>
+</file>
+
+<file path=ppt/theme/theme2.xml><?xml version="1.0" encoding="utf-8"?>
+<a:theme xmlns:a="http://schemas.openxmlformats.org/drawingml/2006/main" name="Office 테마">
+  <a:themeElements>
+    <a:clrScheme name="Office">
+      <a:dk1>
+        <a:sysClr val="windowText" lastClr="000000"/>
+      </a:dk1>
+      <a:lt1>
+        <a:sysClr val="window" lastClr="FFFFFF"/>
+      </a:lt1>
+      <a:dk2>
+        <a:srgbClr val="44546A"/>
+      </a:dk2>
+      <a:lt2>
+        <a:srgbClr val="E7E6E6"/>
+      </a:lt2>
+      <a:accent1>
+        <a:srgbClr val="4472C4"/>
+      </a:accent1>
+      <a:accent2>
+        <a:srgbClr val="ED7D31"/>
+      </a:accent2>
+      <a:accent3>
+        <a:srgbClr val="A5A5A5"/>
+      </a:accent3>
+      <a:accent4>
+        <a:srgbClr val="FFC000"/>
+      </a:accent4>
+      <a:accent5>
+        <a:srgbClr val="5B9BD5"/>
+      </a:accent5>
+      <a:accent6>
+        <a:srgbClr val="70AD47"/>
+      </a:accent6>
+      <a:hlink>
+        <a:srgbClr val="0563C1"/>
+      </a:hlink>
+      <a:folHlink>
+        <a:srgbClr val="954F72"/>
+      </a:folHlink>
+    </a:clrScheme>
+    <a:fontScheme name="Office">
+      <a:majorFont>
+        <a:latin typeface="맑은 고딕" panose="020F0302020204030204"/>
+        <a:ea typeface=""/>
+        <a:cs typeface=""/>
+        <a:font script="Jpan" typeface="游ゴシック Light"/>
+        <a:font script="Hang" typeface="맑은 고딕"/>
+        <a:font script="Hans" typeface="等线 Light"/>
+        <a:font script="Hant" typeface="新細明體"/>
+        <a:font script="Arab" typeface="Times New Roman"/>
+        <a:font script="Hebr" typeface="Times New Roman"/>
+        <a:font script="Thai" typeface="Angsana New"/>
+        <a:font script="Ethi" typeface="Nyala"/>
+        <a:font script="Beng" typeface="Vrinda"/>
+        <a:font script="Gujr" typeface="Shruti"/>
+        <a:font script="Khmr" typeface="MoolBoran"/>
+        <a:font script="Knda" typeface="Tunga"/>
+        <a:font script="Guru" typeface="Raavi"/>
+        <a:font script="Cans" typeface="Euphemia"/>
+        <a:font script="Cher" typeface="Plantagenet Cherokee"/>
+        <a:font script="Yiii" typeface="Microsoft Yi Baiti"/>
+        <a:font script="Tibt" typeface="Microsoft Himalaya"/>
+        <a:font script="Thaa" typeface="MV Boli"/>
+        <a:font script="Deva" typeface="Mangal"/>
+        <a:font script="Telu" typeface="Gautami"/>
+        <a:font script="Taml" typeface="Latha"/>
+        <a:font script="Syrc" typeface="Estrangelo Edessa"/>
+        <a:font script="Orya" typeface="Kalinga"/>
+        <a:font script="Mlym" typeface="Kartika"/>
+        <a:font script="Laoo" typeface="DokChampa"/>
+        <a:font script="Sinh" typeface="Iskoola Pota"/>
+        <a:font script="Mong" typeface="Mongolian Baiti"/>
+        <a:font script="Viet" typeface="Times New Roman"/>
+        <a:font script="Uigh" typeface="Microsoft Uighur"/>
+        <a:font script="Geor" typeface="Sylfaen"/>
+        <a:font script="Armn" typeface="Arial"/>
+        <a:font script="Bugi" typeface="Leelawadee UI"/>
+        <a:font script="Bopo" typeface="Microsoft JhengHei"/>
+        <a:font script="Java" typeface="Javanese Text"/>
+        <a:font script="Lisu" typeface="Segoe UI"/>
+        <a:font script="Mymr" typeface="Myanmar Text"/>
+        <a:font script="Nkoo" typeface="Ebrima"/>
+        <a:font script="Olck" typeface="Nirmala UI"/>
+        <a:font script="Osma" typeface="Ebrima"/>
+        <a:font script="Phag" typeface="Phagspa"/>
+        <a:font script="Syrn" typeface="Estrangelo Edessa"/>
+        <a:font script="Syrj" typeface="Estrangelo Edessa"/>
+        <a:font script="Syre" typeface="Estrangelo Edessa"/>
+        <a:font script="Sora" typeface="Nirmala UI"/>
+        <a:font script="Tale" typeface="Microsoft Tai Le"/>
+        <a:font script="Talu" typeface="Microsoft New Tai Lue"/>
+        <a:font script="Tfng" typeface="Ebrima"/>
+      </a:majorFont>
+      <a:minorFont>
+        <a:latin typeface="맑은 고딕" panose="020F0502020204030204"/>
+        <a:ea typeface=""/>
+        <a:cs typeface=""/>
+        <a:font script="Jpan" typeface="游ゴシック"/>
+        <a:font script="Hang" typeface="맑은 고딕"/>
+        <a:font script="Hans" typeface="等线"/>
+        <a:font script="Hant" typeface="新細明體"/>
+        <a:font script="Arab" typeface="Arial"/>
+        <a:font script="Hebr" typeface="Arial"/>
+        <a:font script="Thai" typeface="Cordia New"/>
+        <a:font script="Ethi" typeface="Nyala"/>
+        <a:font script="Beng" typeface="Vrinda"/>
+        <a:font script="Gujr" typeface="Shruti"/>
+        <a:font script="Khmr" typeface="DaunPenh"/>
+        <a:font script="Knda" typeface="Tunga"/>
+        <a:font script="Guru" typeface="Raavi"/>
+        <a:font script="Cans" typeface="Euphemia"/>
+        <a:font script="Cher" typeface="Plantagenet Cherokee"/>
+        <a:font script="Yiii" typeface="Microsoft Yi Baiti"/>
+        <a:font script="Tibt" typeface="Microsoft Himalaya"/>
+        <a:font script="Thaa" typeface="MV Boli"/>
+        <a:font script="Deva" typeface="Mangal"/>
+        <a:font script="Telu" typeface="Gautami"/>
+        <a:font script="Taml" typeface="Latha"/>
+        <a:font script="Syrc" typeface="Estrangelo Edessa"/>
+        <a:font script="Orya" typeface="Kalinga"/>
+        <a:font script="Mlym" typeface="Kartika"/>
+        <a:font script="Laoo" typeface="DokChampa"/>
+        <a:font script="Sinh" typeface="Iskoola Pota"/>
+        <a:font script="Mong" typeface="Mongolian Baiti"/>
+        <a:font script="Viet" typeface="Arial"/>
+        <a:font script="Uigh" typeface="Microsoft Uighur"/>
+        <a:font script="Geor" typeface="Sylfaen"/>
+        <a:font script="Armn" typeface="Arial"/>
+        <a:font script="Bugi" typeface="Leelawadee UI"/>
+        <a:font script="Bopo" typeface="Microsoft JhengHei"/>
+        <a:font script="Java" typeface="Javanese Text"/>
+        <a:font script="Lisu" typeface="Segoe UI"/>
+        <a:font script="Mymr" typeface="Myanmar Text"/>
+        <a:font script="Nkoo" typeface="Ebrima"/>
+        <a:font script="Olck" typeface="Nirmala UI"/>
+        <a:font script="Osma" typeface="Ebrima"/>
+        <a:font script="Phag" typeface="Phagspa"/>
+        <a:font script="Syrn" typeface="Estrangelo Edessa"/>
+        <a:font script="Syrj" typeface="Estrangelo Edessa"/>
+        <a:font script="Syre" typeface="Estrangelo Edessa"/>
+        <a:font script="Sora" typeface="Nirmala UI"/>
+        <a:font script="Tale" typeface="Microsoft Tai Le"/>
+        <a:font script="Talu" typeface="Microsoft New Tai Lue"/>
+        <a:font script="Tfng" typeface="Ebrima"/>
+      </a:minorFont>
+    </a:fontScheme>
+    <a:fmtScheme name="Office">
+      <a:fillStyleLst>
+        <a:solidFill>
+          <a:schemeClr val="phClr"/>
+        </a:solidFill>
+        <a:gradFill rotWithShape="1">
+          <a:gsLst>
+            <a:gs pos="0">
+              <a:schemeClr val="phClr">
+                <a:lumMod val="110000"/>
+                <a:satMod val="105000"/>
+                <a:tint val="67000"/>
+              </a:schemeClr>
+            </a:gs>
+            <a:gs pos="50000">
+              <a:schemeClr val="phClr">
+                <a:lumMod val="105000"/>
+                <a:satMod val="103000"/>
+                <a:tint val="73000"/>
+              </a:schemeClr>
+            </a:gs>
+            <a:gs pos="100000">
+              <a:schemeClr val="phClr">
+                <a:lumMod val="105000"/>
+                <a:satMod val="109000"/>
+                <a:tint val="81000"/>
+              </a:schemeClr>
+            </a:gs>
+          </a:gsLst>
+          <a:lin ang="5400000" scaled="0"/>
+        </a:gradFill>
+        <a:gradFill rotWithShape="1">
+          <a:gsLst>
+            <a:gs pos="0">
+              <a:schemeClr val="phClr">
+                <a:satMod val="103000"/>
+                <a:lumMod val="102000"/>
+                <a:tint val="94000"/>
+              </a:schemeClr>
+            </a:gs>
+            <a:gs pos="50000">
+              <a:schemeClr val="phClr">
+                <a:satMod val="110000"/>
+                <a:lumMod val="100000"/>
+                <a:shade val="100000"/>
+              </a:schemeClr>
+            </a:gs>
+            <a:gs pos="100000">
+              <a:schemeClr val="phClr">
+                <a:lumMod val="99000"/>
+                <a:satMod val="120000"/>
+                <a:shade val="78000"/>
+              </a:schemeClr>
+            </a:gs>
+          </a:gsLst>
+          <a:lin ang="5400000" scaled="0"/>
+        </a:gradFill>
+      </a:fillStyleLst>
+      <a:lnStyleLst>
+        <a:ln w="6350" cap="flat" cmpd="sng" algn="ctr">
+          <a:solidFill>
+            <a:schemeClr val="phClr"/>
+          </a:solidFill>
+          <a:prstDash val="solid"/>
+          <a:miter lim="800000"/>
+        </a:ln>
+        <a:ln w="12700" cap="flat" cmpd="sng" algn="ctr">
+          <a:solidFill>
+            <a:schemeClr val="phClr"/>
+          </a:solidFill>
+          <a:prstDash val="solid"/>
+          <a:miter lim="800000"/>
+        </a:ln>
+        <a:ln w="19050" cap="flat" cmpd="sng" algn="ctr">
+          <a:solidFill>
+            <a:schemeClr val="phClr"/>
+          </a:solidFill>
+          <a:prstDash val="solid"/>
+          <a:miter lim="800000"/>
+        </a:ln>
+      </a:lnStyleLst>
+      <a:effectStyleLst>
+        <a:effectStyle>
+          <a:effectLst/>
+        </a:effectStyle>
+        <a:effectStyle>
+          <a:effectLst/>
+        </a:effectStyle>
+        <a:effectStyle>
+          <a:effectLst>
+            <a:outerShdw blurRad="57150" dist="19050" dir="5400000" algn="ctr" rotWithShape="0">
+              <a:srgbClr val="000000">
+                <a:alpha val="63000"/>
+              </a:srgbClr>
+            </a:outerShdw>
+          </a:effectLst>
+        </a:effectStyle>
+      </a:effectStyleLst>
+      <a:bgFillStyleLst>
+        <a:solidFill>
+          <a:schemeClr val="phClr"/>
+        </a:solidFill>
+        <a:solidFill>
+          <a:schemeClr val="phClr">
+            <a:tint val="95000"/>
+            <a:satMod val="170000"/>
+          </a:schemeClr>
+        </a:solidFill>
+        <a:gradFill rotWithShape="1">
+          <a:gsLst>
+            <a:gs pos="0">
+              <a:schemeClr val="phClr">
+                <a:tint val="93000"/>
+                <a:satMod val="150000"/>
+                <a:shade val="98000"/>
+                <a:lumMod val="102000"/>
+              </a:schemeClr>
+            </a:gs>
+            <a:gs pos="50000">
+              <a:schemeClr val="phClr">
+                <a:tint val="98000"/>
+                <a:satMod val="130000"/>
+                <a:shade val="90000"/>
+                <a:lumMod val="103000"/>
+              </a:schemeClr>
+            </a:gs>
+            <a:gs pos="100000">
+              <a:schemeClr val="phClr">
+                <a:shade val="63000"/>
+                <a:satMod val="120000"/>
+              </a:schemeClr>
+            </a:gs>
+          </a:gsLst>
+          <a:lin ang="5400000" scaled="0"/>
+        </a:gradFill>
+      </a:bgFillStyleLst>
+    </a:fmtScheme>
+  </a:themeElements>
+  <a:objectDefaults/>
+  <a:extraClrSchemeLst/>
+  <a:extLst>
+    <a:ext uri="{05A4C25C-085E-4340-85A3-A5531E510DB2}">
+      <thm15:themeFamily xmlns:thm15="http://schemas.microsoft.com/office/thememl/2012/main" name="Office Theme" id="{62F939B6-93AF-4DB8-9C6B-D6C7DFDC589F}" vid="{4A3C46E8-61CC-4603-A589-7422A47A8E4A}"/>
+    </a:ext>
+  </a:extLst>
+</a:theme>
 </file>
--- a/Assets/Image/ImageWorltable.pptx
+++ b/Assets/Image/ImageWorltable.pptx
@@ -200,7 +200,7 @@
           <a:p>
             <a:fld id="{5687EA34-BC33-4682-90ED-6976F2831C2C}" type="datetimeFigureOut">
               <a:rPr lang="ko-KR" altLang="en-US" smtClean="0"/>
-              <a:t>2023-11-09</a:t>
+              <a:t>2023-11-10</a:t>
             </a:fld>
             <a:endParaRPr lang="ko-KR" altLang="en-US"/>
           </a:p>
@@ -876,7 +876,7 @@
           <a:p>
             <a:fld id="{FFEE3456-DD89-477C-B12D-41A07A448EC1}" type="datetimeFigureOut">
               <a:rPr lang="ko-KR" altLang="en-US" smtClean="0"/>
-              <a:t>2023-11-09</a:t>
+              <a:t>2023-11-10</a:t>
             </a:fld>
             <a:endParaRPr lang="ko-KR" altLang="en-US"/>
           </a:p>
@@ -1074,7 +1074,7 @@
           <a:p>
             <a:fld id="{FFEE3456-DD89-477C-B12D-41A07A448EC1}" type="datetimeFigureOut">
               <a:rPr lang="ko-KR" altLang="en-US" smtClean="0"/>
-              <a:t>2023-11-09</a:t>
+              <a:t>2023-11-10</a:t>
             </a:fld>
             <a:endParaRPr lang="ko-KR" altLang="en-US"/>
           </a:p>
@@ -1282,7 +1282,7 @@
           <a:p>
             <a:fld id="{FFEE3456-DD89-477C-B12D-41A07A448EC1}" type="datetimeFigureOut">
               <a:rPr lang="ko-KR" altLang="en-US" smtClean="0"/>
-              <a:t>2023-11-09</a:t>
+              <a:t>2023-11-10</a:t>
             </a:fld>
             <a:endParaRPr lang="ko-KR" altLang="en-US"/>
           </a:p>
@@ -1480,7 +1480,7 @@
           <a:p>
             <a:fld id="{FFEE3456-DD89-477C-B12D-41A07A448EC1}" type="datetimeFigureOut">
               <a:rPr lang="ko-KR" altLang="en-US" smtClean="0"/>
-              <a:t>2023-11-09</a:t>
+              <a:t>2023-11-10</a:t>
             </a:fld>
             <a:endParaRPr lang="ko-KR" altLang="en-US"/>
           </a:p>
@@ -1755,7 +1755,7 @@
           <a:p>
             <a:fld id="{FFEE3456-DD89-477C-B12D-41A07A448EC1}" type="datetimeFigureOut">
               <a:rPr lang="ko-KR" altLang="en-US" smtClean="0"/>
-              <a:t>2023-11-09</a:t>
+              <a:t>2023-11-10</a:t>
             </a:fld>
             <a:endParaRPr lang="ko-KR" altLang="en-US"/>
           </a:p>
@@ -2020,7 +2020,7 @@
           <a:p>
             <a:fld id="{FFEE3456-DD89-477C-B12D-41A07A448EC1}" type="datetimeFigureOut">
               <a:rPr lang="ko-KR" altLang="en-US" smtClean="0"/>
-              <a:t>2023-11-09</a:t>
+              <a:t>2023-11-10</a:t>
             </a:fld>
             <a:endParaRPr lang="ko-KR" altLang="en-US"/>
           </a:p>
@@ -2432,7 +2432,7 @@
           <a:p>
             <a:fld id="{FFEE3456-DD89-477C-B12D-41A07A448EC1}" type="datetimeFigureOut">
               <a:rPr lang="ko-KR" altLang="en-US" smtClean="0"/>
-              <a:t>2023-11-09</a:t>
+              <a:t>2023-11-10</a:t>
             </a:fld>
             <a:endParaRPr lang="ko-KR" altLang="en-US"/>
           </a:p>
@@ -2573,7 +2573,7 @@
           <a:p>
             <a:fld id="{FFEE3456-DD89-477C-B12D-41A07A448EC1}" type="datetimeFigureOut">
               <a:rPr lang="ko-KR" altLang="en-US" smtClean="0"/>
-              <a:t>2023-11-09</a:t>
+              <a:t>2023-11-10</a:t>
             </a:fld>
             <a:endParaRPr lang="ko-KR" altLang="en-US"/>
           </a:p>
@@ -2686,7 +2686,7 @@
           <a:p>
             <a:fld id="{FFEE3456-DD89-477C-B12D-41A07A448EC1}" type="datetimeFigureOut">
               <a:rPr lang="ko-KR" altLang="en-US" smtClean="0"/>
-              <a:t>2023-11-09</a:t>
+              <a:t>2023-11-10</a:t>
             </a:fld>
             <a:endParaRPr lang="ko-KR" altLang="en-US"/>
           </a:p>
@@ -2997,7 +2997,7 @@
           <a:p>
             <a:fld id="{FFEE3456-DD89-477C-B12D-41A07A448EC1}" type="datetimeFigureOut">
               <a:rPr lang="ko-KR" altLang="en-US" smtClean="0"/>
-              <a:t>2023-11-09</a:t>
+              <a:t>2023-11-10</a:t>
             </a:fld>
             <a:endParaRPr lang="ko-KR" altLang="en-US"/>
           </a:p>
@@ -3285,7 +3285,7 @@
           <a:p>
             <a:fld id="{FFEE3456-DD89-477C-B12D-41A07A448EC1}" type="datetimeFigureOut">
               <a:rPr lang="ko-KR" altLang="en-US" smtClean="0"/>
-              <a:t>2023-11-09</a:t>
+              <a:t>2023-11-10</a:t>
             </a:fld>
             <a:endParaRPr lang="ko-KR" altLang="en-US"/>
           </a:p>
@@ -3526,7 +3526,7 @@
           <a:p>
             <a:fld id="{FFEE3456-DD89-477C-B12D-41A07A448EC1}" type="datetimeFigureOut">
               <a:rPr lang="ko-KR" altLang="en-US" smtClean="0"/>
-              <a:t>2023-11-09</a:t>
+              <a:t>2023-11-10</a:t>
             </a:fld>
             <a:endParaRPr lang="ko-KR" altLang="en-US"/>
           </a:p>
@@ -4094,8 +4094,43 @@
         </p:blipFill>
         <p:spPr>
           <a:xfrm>
-            <a:off x="3098800" y="66469"/>
+            <a:off x="176696" y="0"/>
             <a:ext cx="5372099" cy="6725062"/>
+          </a:xfrm>
+          <a:prstGeom prst="rect">
+            <a:avLst/>
+          </a:prstGeom>
+        </p:spPr>
+      </p:pic>
+      <p:pic>
+        <p:nvPicPr>
+          <p:cNvPr id="3" name="그림 2" descr="스케치, 그림, 일러스트레이션, 만화 영화이(가) 표시된 사진&#10;&#10;자동 생성된 설명">
+            <a:extLst>
+              <a:ext uri="{FF2B5EF4-FFF2-40B4-BE49-F238E27FC236}">
+                <a16:creationId xmlns:a16="http://schemas.microsoft.com/office/drawing/2014/main" id="{457C721D-472E-7D62-4A4D-E7387C35DD77}"/>
+              </a:ext>
+            </a:extLst>
+          </p:cNvPr>
+          <p:cNvPicPr>
+            <a:picLocks noChangeAspect="1"/>
+          </p:cNvPicPr>
+          <p:nvPr/>
+        </p:nvPicPr>
+        <p:blipFill rotWithShape="1">
+          <a:blip r:embed="rId4">
+            <a:extLst>
+              <a:ext uri="{28A0092B-C50C-407E-A947-70E740481C1C}">
+                <a14:useLocalDpi xmlns:a14="http://schemas.microsoft.com/office/drawing/2010/main" val="0"/>
+              </a:ext>
+            </a:extLst>
+          </a:blip>
+          <a:srcRect t="929" b="559"/>
+          <a:stretch/>
+        </p:blipFill>
+        <p:spPr>
+          <a:xfrm>
+            <a:off x="5548795" y="0"/>
+            <a:ext cx="7325747" cy="6725062"/>
           </a:xfrm>
           <a:prstGeom prst="rect">
             <a:avLst/>

--- a/Assets/Image/ImageWorltable.pptx
+++ b/Assets/Image/ImageWorltable.pptx
@@ -200,7 +200,7 @@
           <a:p>
             <a:fld id="{5687EA34-BC33-4682-90ED-6976F2831C2C}" type="datetimeFigureOut">
               <a:rPr lang="ko-KR" altLang="en-US" smtClean="0"/>
-              <a:t>2023-11-10</a:t>
+              <a:t>2023-11-12</a:t>
             </a:fld>
             <a:endParaRPr lang="ko-KR" altLang="en-US"/>
           </a:p>
@@ -876,7 +876,7 @@
           <a:p>
             <a:fld id="{FFEE3456-DD89-477C-B12D-41A07A448EC1}" type="datetimeFigureOut">
               <a:rPr lang="ko-KR" altLang="en-US" smtClean="0"/>
-              <a:t>2023-11-10</a:t>
+              <a:t>2023-11-12</a:t>
             </a:fld>
             <a:endParaRPr lang="ko-KR" altLang="en-US"/>
           </a:p>
@@ -1074,7 +1074,7 @@
           <a:p>
             <a:fld id="{FFEE3456-DD89-477C-B12D-41A07A448EC1}" type="datetimeFigureOut">
               <a:rPr lang="ko-KR" altLang="en-US" smtClean="0"/>
-              <a:t>2023-11-10</a:t>
+              <a:t>2023-11-12</a:t>
             </a:fld>
             <a:endParaRPr lang="ko-KR" altLang="en-US"/>
           </a:p>
@@ -1282,7 +1282,7 @@
           <a:p>
             <a:fld id="{FFEE3456-DD89-477C-B12D-41A07A448EC1}" type="datetimeFigureOut">
               <a:rPr lang="ko-KR" altLang="en-US" smtClean="0"/>
-              <a:t>2023-11-10</a:t>
+              <a:t>2023-11-12</a:t>
             </a:fld>
             <a:endParaRPr lang="ko-KR" altLang="en-US"/>
           </a:p>
@@ -1480,7 +1480,7 @@
           <a:p>
             <a:fld id="{FFEE3456-DD89-477C-B12D-41A07A448EC1}" type="datetimeFigureOut">
               <a:rPr lang="ko-KR" altLang="en-US" smtClean="0"/>
-              <a:t>2023-11-10</a:t>
+              <a:t>2023-11-12</a:t>
             </a:fld>
             <a:endParaRPr lang="ko-KR" altLang="en-US"/>
           </a:p>
@@ -1755,7 +1755,7 @@
           <a:p>
             <a:fld id="{FFEE3456-DD89-477C-B12D-41A07A448EC1}" type="datetimeFigureOut">
               <a:rPr lang="ko-KR" altLang="en-US" smtClean="0"/>
-              <a:t>2023-11-10</a:t>
+              <a:t>2023-11-12</a:t>
             </a:fld>
             <a:endParaRPr lang="ko-KR" altLang="en-US"/>
           </a:p>
@@ -2020,7 +2020,7 @@
           <a:p>
             <a:fld id="{FFEE3456-DD89-477C-B12D-41A07A448EC1}" type="datetimeFigureOut">
               <a:rPr lang="ko-KR" altLang="en-US" smtClean="0"/>
-              <a:t>2023-11-10</a:t>
+              <a:t>2023-11-12</a:t>
             </a:fld>
             <a:endParaRPr lang="ko-KR" altLang="en-US"/>
           </a:p>
@@ -2432,7 +2432,7 @@
           <a:p>
             <a:fld id="{FFEE3456-DD89-477C-B12D-41A07A448EC1}" type="datetimeFigureOut">
               <a:rPr lang="ko-KR" altLang="en-US" smtClean="0"/>
-              <a:t>2023-11-10</a:t>
+              <a:t>2023-11-12</a:t>
             </a:fld>
             <a:endParaRPr lang="ko-KR" altLang="en-US"/>
           </a:p>
@@ -2573,7 +2573,7 @@
           <a:p>
             <a:fld id="{FFEE3456-DD89-477C-B12D-41A07A448EC1}" type="datetimeFigureOut">
               <a:rPr lang="ko-KR" altLang="en-US" smtClean="0"/>
-              <a:t>2023-11-10</a:t>
+              <a:t>2023-11-12</a:t>
             </a:fld>
             <a:endParaRPr lang="ko-KR" altLang="en-US"/>
           </a:p>
@@ -2686,7 +2686,7 @@
           <a:p>
             <a:fld id="{FFEE3456-DD89-477C-B12D-41A07A448EC1}" type="datetimeFigureOut">
               <a:rPr lang="ko-KR" altLang="en-US" smtClean="0"/>
-              <a:t>2023-11-10</a:t>
+              <a:t>2023-11-12</a:t>
             </a:fld>
             <a:endParaRPr lang="ko-KR" altLang="en-US"/>
           </a:p>
@@ -2997,7 +2997,7 @@
           <a:p>
             <a:fld id="{FFEE3456-DD89-477C-B12D-41A07A448EC1}" type="datetimeFigureOut">
               <a:rPr lang="ko-KR" altLang="en-US" smtClean="0"/>
-              <a:t>2023-11-10</a:t>
+              <a:t>2023-11-12</a:t>
             </a:fld>
             <a:endParaRPr lang="ko-KR" altLang="en-US"/>
           </a:p>
@@ -3285,7 +3285,7 @@
           <a:p>
             <a:fld id="{FFEE3456-DD89-477C-B12D-41A07A448EC1}" type="datetimeFigureOut">
               <a:rPr lang="ko-KR" altLang="en-US" smtClean="0"/>
-              <a:t>2023-11-10</a:t>
+              <a:t>2023-11-12</a:t>
             </a:fld>
             <a:endParaRPr lang="ko-KR" altLang="en-US"/>
           </a:p>
@@ -3526,7 +3526,7 @@
           <a:p>
             <a:fld id="{FFEE3456-DD89-477C-B12D-41A07A448EC1}" type="datetimeFigureOut">
               <a:rPr lang="ko-KR" altLang="en-US" smtClean="0"/>
-              <a:t>2023-11-10</a:t>
+              <a:t>2023-11-12</a:t>
             </a:fld>
             <a:endParaRPr lang="ko-KR" altLang="en-US"/>
           </a:p>
@@ -4094,7 +4094,7 @@
         </p:blipFill>
         <p:spPr>
           <a:xfrm>
-            <a:off x="176696" y="0"/>
+            <a:off x="7570554" y="0"/>
             <a:ext cx="5372099" cy="6725062"/>
           </a:xfrm>
           <a:prstGeom prst="rect">
@@ -4129,7 +4129,7 @@
         </p:blipFill>
         <p:spPr>
           <a:xfrm>
-            <a:off x="5548795" y="0"/>
+            <a:off x="-73814" y="66469"/>
             <a:ext cx="7325747" cy="6725062"/>
           </a:xfrm>
           <a:prstGeom prst="rect">
@@ -4194,8 +4194,43 @@
         </p:blipFill>
         <p:spPr>
           <a:xfrm>
-            <a:off x="2908299" y="133350"/>
+            <a:off x="430570" y="0"/>
             <a:ext cx="7321549" cy="6724650"/>
+          </a:xfrm>
+          <a:prstGeom prst="rect">
+            <a:avLst/>
+          </a:prstGeom>
+        </p:spPr>
+      </p:pic>
+      <p:pic>
+        <p:nvPicPr>
+          <p:cNvPr id="2" name="그림 1" descr="스케치, 그림, 일러스트레이션, 라인 아트이(가) 표시된 사진&#10;&#10;자동 생성된 설명">
+            <a:extLst>
+              <a:ext uri="{FF2B5EF4-FFF2-40B4-BE49-F238E27FC236}">
+                <a16:creationId xmlns:a16="http://schemas.microsoft.com/office/drawing/2014/main" id="{D6420ABF-3A2A-18E9-43F3-AB692FA362FA}"/>
+              </a:ext>
+            </a:extLst>
+          </p:cNvPr>
+          <p:cNvPicPr>
+            <a:picLocks noChangeAspect="1"/>
+          </p:cNvPicPr>
+          <p:nvPr/>
+        </p:nvPicPr>
+        <p:blipFill rotWithShape="1">
+          <a:blip r:embed="rId4">
+            <a:extLst>
+              <a:ext uri="{28A0092B-C50C-407E-A947-70E740481C1C}">
+                <a14:useLocalDpi xmlns:a14="http://schemas.microsoft.com/office/drawing/2010/main" val="0"/>
+              </a:ext>
+            </a:extLst>
+          </a:blip>
+          <a:srcRect l="84598" r="7623"/>
+          <a:stretch/>
+        </p:blipFill>
+        <p:spPr>
+          <a:xfrm flipH="1">
+            <a:off x="7333018" y="0"/>
+            <a:ext cx="629882" cy="6724650"/>
           </a:xfrm>
           <a:prstGeom prst="rect">
             <a:avLst/>

--- a/Assets/Image/ImageWorltable.pptx
+++ b/Assets/Image/ImageWorltable.pptx
@@ -5,13 +5,14 @@
     <p:sldMasterId id="2147483648" r:id="rId1"/>
   </p:sldMasterIdLst>
   <p:notesMasterIdLst>
-    <p:notesMasterId r:id="rId6"/>
+    <p:notesMasterId r:id="rId7"/>
   </p:notesMasterIdLst>
   <p:sldIdLst>
     <p:sldId id="256" r:id="rId2"/>
     <p:sldId id="257" r:id="rId3"/>
     <p:sldId id="258" r:id="rId4"/>
     <p:sldId id="259" r:id="rId5"/>
+    <p:sldId id="260" r:id="rId6"/>
   </p:sldIdLst>
   <p:sldSz cx="12192000" cy="6858000"/>
   <p:notesSz cx="6858000" cy="9144000"/>
@@ -200,7 +201,7 @@
           <a:p>
             <a:fld id="{5687EA34-BC33-4682-90ED-6976F2831C2C}" type="datetimeFigureOut">
               <a:rPr lang="ko-KR" altLang="en-US" smtClean="0"/>
-              <a:t>2023-11-12</a:t>
+              <a:t>2023-11-22</a:t>
             </a:fld>
             <a:endParaRPr lang="ko-KR" altLang="en-US"/>
           </a:p>
@@ -729,6 +730,90 @@
 </p:notes>
 </file>
 
+<file path=ppt/notesSlides/notesSlide4.xml><?xml version="1.0" encoding="utf-8"?>
+<p:notes xmlns:a="http://schemas.openxmlformats.org/drawingml/2006/main" xmlns:r="http://schemas.openxmlformats.org/officeDocument/2006/relationships" xmlns:p="http://schemas.openxmlformats.org/presentationml/2006/main">
+  <p:cSld>
+    <p:spTree>
+      <p:nvGrpSpPr>
+        <p:cNvPr id="1" name=""/>
+        <p:cNvGrpSpPr/>
+        <p:nvPr/>
+      </p:nvGrpSpPr>
+      <p:grpSpPr>
+        <a:xfrm>
+          <a:off x="0" y="0"/>
+          <a:ext cx="0" cy="0"/>
+          <a:chOff x="0" y="0"/>
+          <a:chExt cx="0" cy="0"/>
+        </a:xfrm>
+      </p:grpSpPr>
+      <p:sp>
+        <p:nvSpPr>
+          <p:cNvPr id="2" name="슬라이드 이미지 개체 틀 1"/>
+          <p:cNvSpPr>
+            <a:spLocks noGrp="1" noRot="1" noChangeAspect="1"/>
+          </p:cNvSpPr>
+          <p:nvPr>
+            <p:ph type="sldImg"/>
+          </p:nvPr>
+        </p:nvSpPr>
+        <p:spPr/>
+      </p:sp>
+      <p:sp>
+        <p:nvSpPr>
+          <p:cNvPr id="3" name="슬라이드 노트 개체 틀 2"/>
+          <p:cNvSpPr>
+            <a:spLocks noGrp="1"/>
+          </p:cNvSpPr>
+          <p:nvPr>
+            <p:ph type="body" idx="1"/>
+          </p:nvPr>
+        </p:nvSpPr>
+        <p:spPr/>
+        <p:txBody>
+          <a:bodyPr/>
+          <a:lstStyle/>
+          <a:p>
+            <a:endParaRPr lang="ko-KR" altLang="en-US" dirty="0"/>
+          </a:p>
+        </p:txBody>
+      </p:sp>
+      <p:sp>
+        <p:nvSpPr>
+          <p:cNvPr id="4" name="슬라이드 번호 개체 틀 3"/>
+          <p:cNvSpPr>
+            <a:spLocks noGrp="1"/>
+          </p:cNvSpPr>
+          <p:nvPr>
+            <p:ph type="sldNum" sz="quarter" idx="5"/>
+          </p:nvPr>
+        </p:nvSpPr>
+        <p:spPr/>
+        <p:txBody>
+          <a:bodyPr/>
+          <a:lstStyle/>
+          <a:p>
+            <a:fld id="{1D87D45C-0B8D-4D27-A7EF-07FE15545A17}" type="slidenum">
+              <a:rPr lang="ko-KR" altLang="en-US" smtClean="0"/>
+              <a:t>5</a:t>
+            </a:fld>
+            <a:endParaRPr lang="ko-KR" altLang="en-US"/>
+          </a:p>
+        </p:txBody>
+      </p:sp>
+    </p:spTree>
+    <p:extLst>
+      <p:ext uri="{BB962C8B-B14F-4D97-AF65-F5344CB8AC3E}">
+        <p14:creationId xmlns:p14="http://schemas.microsoft.com/office/powerpoint/2010/main" val="3433557803"/>
+      </p:ext>
+    </p:extLst>
+  </p:cSld>
+  <p:clrMapOvr>
+    <a:masterClrMapping/>
+  </p:clrMapOvr>
+</p:notes>
+</file>
+
 <file path=ppt/slideLayouts/slideLayout1.xml><?xml version="1.0" encoding="utf-8"?>
 <p:sldLayout xmlns:a="http://schemas.openxmlformats.org/drawingml/2006/main" xmlns:r="http://schemas.openxmlformats.org/officeDocument/2006/relationships" xmlns:p="http://schemas.openxmlformats.org/presentationml/2006/main" type="title" preserve="1">
   <p:cSld name="제목 슬라이드">
@@ -876,7 +961,7 @@
           <a:p>
             <a:fld id="{FFEE3456-DD89-477C-B12D-41A07A448EC1}" type="datetimeFigureOut">
               <a:rPr lang="ko-KR" altLang="en-US" smtClean="0"/>
-              <a:t>2023-11-12</a:t>
+              <a:t>2023-11-22</a:t>
             </a:fld>
             <a:endParaRPr lang="ko-KR" altLang="en-US"/>
           </a:p>
@@ -1074,7 +1159,7 @@
           <a:p>
             <a:fld id="{FFEE3456-DD89-477C-B12D-41A07A448EC1}" type="datetimeFigureOut">
               <a:rPr lang="ko-KR" altLang="en-US" smtClean="0"/>
-              <a:t>2023-11-12</a:t>
+              <a:t>2023-11-22</a:t>
             </a:fld>
             <a:endParaRPr lang="ko-KR" altLang="en-US"/>
           </a:p>
@@ -1282,7 +1367,7 @@
           <a:p>
             <a:fld id="{FFEE3456-DD89-477C-B12D-41A07A448EC1}" type="datetimeFigureOut">
               <a:rPr lang="ko-KR" altLang="en-US" smtClean="0"/>
-              <a:t>2023-11-12</a:t>
+              <a:t>2023-11-22</a:t>
             </a:fld>
             <a:endParaRPr lang="ko-KR" altLang="en-US"/>
           </a:p>
@@ -1480,7 +1565,7 @@
           <a:p>
             <a:fld id="{FFEE3456-DD89-477C-B12D-41A07A448EC1}" type="datetimeFigureOut">
               <a:rPr lang="ko-KR" altLang="en-US" smtClean="0"/>
-              <a:t>2023-11-12</a:t>
+              <a:t>2023-11-22</a:t>
             </a:fld>
             <a:endParaRPr lang="ko-KR" altLang="en-US"/>
           </a:p>
@@ -1755,7 +1840,7 @@
           <a:p>
             <a:fld id="{FFEE3456-DD89-477C-B12D-41A07A448EC1}" type="datetimeFigureOut">
               <a:rPr lang="ko-KR" altLang="en-US" smtClean="0"/>
-              <a:t>2023-11-12</a:t>
+              <a:t>2023-11-22</a:t>
             </a:fld>
             <a:endParaRPr lang="ko-KR" altLang="en-US"/>
           </a:p>
@@ -2020,7 +2105,7 @@
           <a:p>
             <a:fld id="{FFEE3456-DD89-477C-B12D-41A07A448EC1}" type="datetimeFigureOut">
               <a:rPr lang="ko-KR" altLang="en-US" smtClean="0"/>
-              <a:t>2023-11-12</a:t>
+              <a:t>2023-11-22</a:t>
             </a:fld>
             <a:endParaRPr lang="ko-KR" altLang="en-US"/>
           </a:p>
@@ -2432,7 +2517,7 @@
           <a:p>
             <a:fld id="{FFEE3456-DD89-477C-B12D-41A07A448EC1}" type="datetimeFigureOut">
               <a:rPr lang="ko-KR" altLang="en-US" smtClean="0"/>
-              <a:t>2023-11-12</a:t>
+              <a:t>2023-11-22</a:t>
             </a:fld>
             <a:endParaRPr lang="ko-KR" altLang="en-US"/>
           </a:p>
@@ -2573,7 +2658,7 @@
           <a:p>
             <a:fld id="{FFEE3456-DD89-477C-B12D-41A07A448EC1}" type="datetimeFigureOut">
               <a:rPr lang="ko-KR" altLang="en-US" smtClean="0"/>
-              <a:t>2023-11-12</a:t>
+              <a:t>2023-11-22</a:t>
             </a:fld>
             <a:endParaRPr lang="ko-KR" altLang="en-US"/>
           </a:p>
@@ -2686,7 +2771,7 @@
           <a:p>
             <a:fld id="{FFEE3456-DD89-477C-B12D-41A07A448EC1}" type="datetimeFigureOut">
               <a:rPr lang="ko-KR" altLang="en-US" smtClean="0"/>
-              <a:t>2023-11-12</a:t>
+              <a:t>2023-11-22</a:t>
             </a:fld>
             <a:endParaRPr lang="ko-KR" altLang="en-US"/>
           </a:p>
@@ -2997,7 +3082,7 @@
           <a:p>
             <a:fld id="{FFEE3456-DD89-477C-B12D-41A07A448EC1}" type="datetimeFigureOut">
               <a:rPr lang="ko-KR" altLang="en-US" smtClean="0"/>
-              <a:t>2023-11-12</a:t>
+              <a:t>2023-11-22</a:t>
             </a:fld>
             <a:endParaRPr lang="ko-KR" altLang="en-US"/>
           </a:p>
@@ -3285,7 +3370,7 @@
           <a:p>
             <a:fld id="{FFEE3456-DD89-477C-B12D-41A07A448EC1}" type="datetimeFigureOut">
               <a:rPr lang="ko-KR" altLang="en-US" smtClean="0"/>
-              <a:t>2023-11-12</a:t>
+              <a:t>2023-11-22</a:t>
             </a:fld>
             <a:endParaRPr lang="ko-KR" altLang="en-US"/>
           </a:p>
@@ -3526,7 +3611,7 @@
           <a:p>
             <a:fld id="{FFEE3456-DD89-477C-B12D-41A07A448EC1}" type="datetimeFigureOut">
               <a:rPr lang="ko-KR" altLang="en-US" smtClean="0"/>
-              <a:t>2023-11-12</a:t>
+              <a:t>2023-11-22</a:t>
             </a:fld>
             <a:endParaRPr lang="ko-KR" altLang="en-US"/>
           </a:p>
@@ -4503,6 +4588,107 @@
     <p:extLst>
       <p:ext uri="{BB962C8B-B14F-4D97-AF65-F5344CB8AC3E}">
         <p14:creationId xmlns:p14="http://schemas.microsoft.com/office/powerpoint/2010/main" val="469290718"/>
+      </p:ext>
+    </p:extLst>
+  </p:cSld>
+  <p:clrMapOvr>
+    <a:masterClrMapping/>
+  </p:clrMapOvr>
+</p:sld>
+</file>
+
+<file path=ppt/slides/slide5.xml><?xml version="1.0" encoding="utf-8"?>
+<p:sld xmlns:a="http://schemas.openxmlformats.org/drawingml/2006/main" xmlns:r="http://schemas.openxmlformats.org/officeDocument/2006/relationships" xmlns:p="http://schemas.openxmlformats.org/presentationml/2006/main">
+  <p:cSld>
+    <p:spTree>
+      <p:nvGrpSpPr>
+        <p:cNvPr id="1" name=""/>
+        <p:cNvGrpSpPr/>
+        <p:nvPr/>
+      </p:nvGrpSpPr>
+      <p:grpSpPr>
+        <a:xfrm>
+          <a:off x="0" y="0"/>
+          <a:ext cx="0" cy="0"/>
+          <a:chOff x="0" y="0"/>
+          <a:chExt cx="0" cy="0"/>
+        </a:xfrm>
+      </p:grpSpPr>
+      <p:pic>
+        <p:nvPicPr>
+          <p:cNvPr id="5" name="그림 4" descr="흑백, 모노크롬이(가) 표시된 사진&#10;&#10;자동 생성된 설명">
+            <a:extLst>
+              <a:ext uri="{FF2B5EF4-FFF2-40B4-BE49-F238E27FC236}">
+                <a16:creationId xmlns:a16="http://schemas.microsoft.com/office/drawing/2014/main" id="{7969949E-ED5D-79AB-B8A4-07CF96585D32}"/>
+              </a:ext>
+            </a:extLst>
+          </p:cNvPr>
+          <p:cNvPicPr>
+            <a:picLocks noChangeAspect="1"/>
+          </p:cNvPicPr>
+          <p:nvPr/>
+        </p:nvPicPr>
+        <p:blipFill rotWithShape="1">
+          <a:blip r:embed="rId3">
+            <a:extLst>
+              <a:ext uri="{28A0092B-C50C-407E-A947-70E740481C1C}">
+                <a14:useLocalDpi xmlns:a14="http://schemas.microsoft.com/office/drawing/2010/main" val="0"/>
+              </a:ext>
+            </a:extLst>
+          </a:blip>
+          <a:srcRect l="1561"/>
+          <a:stretch/>
+        </p:blipFill>
+        <p:spPr>
+          <a:xfrm>
+            <a:off x="3824748" y="-2"/>
+            <a:ext cx="7749455" cy="6351639"/>
+          </a:xfrm>
+          <a:prstGeom prst="rect">
+            <a:avLst/>
+          </a:prstGeom>
+        </p:spPr>
+      </p:pic>
+      <p:pic>
+        <p:nvPicPr>
+          <p:cNvPr id="19" name="그림 18" descr="안개, 실루엣, 흑백이(가) 표시된 사진&#10;&#10;자동 생성된 설명">
+            <a:extLst>
+              <a:ext uri="{FF2B5EF4-FFF2-40B4-BE49-F238E27FC236}">
+                <a16:creationId xmlns:a16="http://schemas.microsoft.com/office/drawing/2014/main" id="{650AD719-D519-57E6-1F3B-E1D561ED8268}"/>
+              </a:ext>
+            </a:extLst>
+          </p:cNvPr>
+          <p:cNvPicPr>
+            <a:picLocks noChangeAspect="1"/>
+          </p:cNvPicPr>
+          <p:nvPr/>
+        </p:nvPicPr>
+        <p:blipFill>
+          <a:blip r:embed="rId4">
+            <a:extLst>
+              <a:ext uri="{28A0092B-C50C-407E-A947-70E740481C1C}">
+                <a14:useLocalDpi xmlns:a14="http://schemas.microsoft.com/office/drawing/2010/main" val="0"/>
+              </a:ext>
+            </a:extLst>
+          </a:blip>
+          <a:stretch>
+            <a:fillRect/>
+          </a:stretch>
+        </p:blipFill>
+        <p:spPr>
+          <a:xfrm>
+            <a:off x="-1491441" y="0"/>
+            <a:ext cx="5316189" cy="6351637"/>
+          </a:xfrm>
+          <a:prstGeom prst="rect">
+            <a:avLst/>
+          </a:prstGeom>
+        </p:spPr>
+      </p:pic>
+    </p:spTree>
+    <p:extLst>
+      <p:ext uri="{BB962C8B-B14F-4D97-AF65-F5344CB8AC3E}">
+        <p14:creationId xmlns:p14="http://schemas.microsoft.com/office/powerpoint/2010/main" val="1509186193"/>
       </p:ext>
     </p:extLst>
   </p:cSld>
